--- a/Digging into the DEA.pptx
+++ b/Digging into the DEA.pptx
@@ -10,10 +10,11 @@
     <p:sldId id="257" r:id="rId4"/>
     <p:sldId id="258" r:id="rId5"/>
     <p:sldId id="260" r:id="rId6"/>
-    <p:sldId id="265" r:id="rId7"/>
-    <p:sldId id="263" r:id="rId8"/>
-    <p:sldId id="262" r:id="rId9"/>
-    <p:sldId id="261" r:id="rId10"/>
+    <p:sldId id="266" r:id="rId7"/>
+    <p:sldId id="267" r:id="rId8"/>
+    <p:sldId id="263" r:id="rId9"/>
+    <p:sldId id="262" r:id="rId10"/>
+    <p:sldId id="261" r:id="rId11"/>
   </p:sldIdLst>
   <p:sldSz cx="12192000" cy="6858000"/>
   <p:notesSz cx="6858000" cy="9144000"/>
@@ -112,6 +113,11 @@
       </a:defRPr>
     </a:lvl9pPr>
   </p:defaultTextStyle>
+  <p:extLst>
+    <p:ext uri="{EFAFB233-063F-42B5-8137-9DF3F51BA10A}">
+      <p15:sldGuideLst xmlns:p15="http://schemas.microsoft.com/office/powerpoint/2012/main"/>
+    </p:ext>
+  </p:extLst>
 </p:presentation>
 </file>
 
@@ -283,7 +289,7 @@
           <a:p>
             <a:fld id="{6B8B893F-5AF1-47FE-93C3-5E521AAC45A9}" type="datetimeFigureOut">
               <a:rPr lang="en-US" smtClean="0"/>
-              <a:t>7/29/2019</a:t>
+              <a:t>7/30/2019</a:t>
             </a:fld>
             <a:endParaRPr lang="en-US"/>
           </a:p>
@@ -511,7 +517,7 @@
           <a:p>
             <a:fld id="{6B8B893F-5AF1-47FE-93C3-5E521AAC45A9}" type="datetimeFigureOut">
               <a:rPr lang="en-US" smtClean="0"/>
-              <a:t>7/29/2019</a:t>
+              <a:t>7/30/2019</a:t>
             </a:fld>
             <a:endParaRPr lang="en-US"/>
           </a:p>
@@ -691,7 +697,7 @@
           <a:p>
             <a:fld id="{6B8B893F-5AF1-47FE-93C3-5E521AAC45A9}" type="datetimeFigureOut">
               <a:rPr lang="en-US" smtClean="0"/>
-              <a:t>7/29/2019</a:t>
+              <a:t>7/30/2019</a:t>
             </a:fld>
             <a:endParaRPr lang="en-US"/>
           </a:p>
@@ -861,7 +867,7 @@
           <a:p>
             <a:fld id="{6B8B893F-5AF1-47FE-93C3-5E521AAC45A9}" type="datetimeFigureOut">
               <a:rPr lang="en-US" smtClean="0"/>
-              <a:t>7/29/2019</a:t>
+              <a:t>7/30/2019</a:t>
             </a:fld>
             <a:endParaRPr lang="en-US"/>
           </a:p>
@@ -1115,7 +1121,7 @@
           <a:p>
             <a:fld id="{6B8B893F-5AF1-47FE-93C3-5E521AAC45A9}" type="datetimeFigureOut">
               <a:rPr lang="en-US" smtClean="0"/>
-              <a:t>7/29/2019</a:t>
+              <a:t>7/30/2019</a:t>
             </a:fld>
             <a:endParaRPr lang="en-US"/>
           </a:p>
@@ -1441,7 +1447,7 @@
           <a:p>
             <a:fld id="{6B8B893F-5AF1-47FE-93C3-5E521AAC45A9}" type="datetimeFigureOut">
               <a:rPr lang="en-US" smtClean="0"/>
-              <a:t>7/29/2019</a:t>
+              <a:t>7/30/2019</a:t>
             </a:fld>
             <a:endParaRPr lang="en-US"/>
           </a:p>
@@ -1892,7 +1898,7 @@
           <a:p>
             <a:fld id="{6B8B893F-5AF1-47FE-93C3-5E521AAC45A9}" type="datetimeFigureOut">
               <a:rPr lang="en-US" smtClean="0"/>
-              <a:t>7/29/2019</a:t>
+              <a:t>7/30/2019</a:t>
             </a:fld>
             <a:endParaRPr lang="en-US"/>
           </a:p>
@@ -2010,7 +2016,7 @@
           <a:p>
             <a:fld id="{6B8B893F-5AF1-47FE-93C3-5E521AAC45A9}" type="datetimeFigureOut">
               <a:rPr lang="en-US" smtClean="0"/>
-              <a:t>7/29/2019</a:t>
+              <a:t>7/30/2019</a:t>
             </a:fld>
             <a:endParaRPr lang="en-US"/>
           </a:p>
@@ -2105,7 +2111,7 @@
           <a:p>
             <a:fld id="{6B8B893F-5AF1-47FE-93C3-5E521AAC45A9}" type="datetimeFigureOut">
               <a:rPr lang="en-US" smtClean="0"/>
-              <a:t>7/29/2019</a:t>
+              <a:t>7/30/2019</a:t>
             </a:fld>
             <a:endParaRPr lang="en-US"/>
           </a:p>
@@ -2392,7 +2398,7 @@
           <a:p>
             <a:fld id="{6B8B893F-5AF1-47FE-93C3-5E521AAC45A9}" type="datetimeFigureOut">
               <a:rPr lang="en-US" smtClean="0"/>
-              <a:t>7/29/2019</a:t>
+              <a:t>7/30/2019</a:t>
             </a:fld>
             <a:endParaRPr lang="en-US"/>
           </a:p>
@@ -2714,7 +2720,7 @@
           <a:p>
             <a:fld id="{6B8B893F-5AF1-47FE-93C3-5E521AAC45A9}" type="datetimeFigureOut">
               <a:rPr lang="en-US" smtClean="0"/>
-              <a:t>7/29/2019</a:t>
+              <a:t>7/30/2019</a:t>
             </a:fld>
             <a:endParaRPr lang="en-US"/>
           </a:p>
@@ -2968,7 +2974,7 @@
           <a:p>
             <a:fld id="{6B8B893F-5AF1-47FE-93C3-5E521AAC45A9}" type="datetimeFigureOut">
               <a:rPr lang="en-US" smtClean="0"/>
-              <a:t>7/29/2019</a:t>
+              <a:t>7/30/2019</a:t>
             </a:fld>
             <a:endParaRPr lang="en-US"/>
           </a:p>
@@ -3713,6 +3719,94 @@
 </p:sld>
 </file>
 
+<file path=ppt/slides/slide10.xml><?xml version="1.0" encoding="utf-8"?>
+<p:sld xmlns:a="http://schemas.openxmlformats.org/drawingml/2006/main" xmlns:r="http://schemas.openxmlformats.org/officeDocument/2006/relationships" xmlns:p="http://schemas.openxmlformats.org/presentationml/2006/main">
+  <p:cSld>
+    <p:spTree>
+      <p:nvGrpSpPr>
+        <p:cNvPr id="1" name=""/>
+        <p:cNvGrpSpPr/>
+        <p:nvPr/>
+      </p:nvGrpSpPr>
+      <p:grpSpPr>
+        <a:xfrm>
+          <a:off x="0" y="0"/>
+          <a:ext cx="0" cy="0"/>
+          <a:chOff x="0" y="0"/>
+          <a:chExt cx="0" cy="0"/>
+        </a:xfrm>
+      </p:grpSpPr>
+      <p:sp>
+        <p:nvSpPr>
+          <p:cNvPr id="2" name="Title 1">
+            <a:extLst>
+              <a:ext uri="{FF2B5EF4-FFF2-40B4-BE49-F238E27FC236}">
+                <a16:creationId xmlns:a16="http://schemas.microsoft.com/office/drawing/2014/main" id="{8D208298-2F70-4D2D-A388-0F6EA98E6DC5}"/>
+              </a:ext>
+            </a:extLst>
+          </p:cNvPr>
+          <p:cNvSpPr>
+            <a:spLocks noGrp="1"/>
+          </p:cNvSpPr>
+          <p:nvPr>
+            <p:ph type="title"/>
+          </p:nvPr>
+        </p:nvSpPr>
+        <p:spPr>
+          <a:xfrm>
+            <a:off x="0" y="15082"/>
+            <a:ext cx="9692640" cy="925951"/>
+          </a:xfrm>
+        </p:spPr>
+        <p:txBody>
+          <a:bodyPr/>
+          <a:lstStyle/>
+          <a:p>
+            <a:r>
+              <a:rPr lang="en-US" dirty="0"/>
+              <a:t>Conclusions and Further Work</a:t>
+            </a:r>
+          </a:p>
+        </p:txBody>
+      </p:sp>
+      <p:sp>
+        <p:nvSpPr>
+          <p:cNvPr id="3" name="Content Placeholder 2">
+            <a:extLst>
+              <a:ext uri="{FF2B5EF4-FFF2-40B4-BE49-F238E27FC236}">
+                <a16:creationId xmlns:a16="http://schemas.microsoft.com/office/drawing/2014/main" id="{1B407EFE-C91B-4DEC-A799-7EE3702B607F}"/>
+              </a:ext>
+            </a:extLst>
+          </p:cNvPr>
+          <p:cNvSpPr>
+            <a:spLocks noGrp="1"/>
+          </p:cNvSpPr>
+          <p:nvPr>
+            <p:ph idx="1"/>
+          </p:nvPr>
+        </p:nvSpPr>
+        <p:spPr/>
+        <p:txBody>
+          <a:bodyPr/>
+          <a:lstStyle/>
+          <a:p>
+            <a:endParaRPr lang="en-US" dirty="0"/>
+          </a:p>
+        </p:txBody>
+      </p:sp>
+    </p:spTree>
+    <p:extLst>
+      <p:ext uri="{BB962C8B-B14F-4D97-AF65-F5344CB8AC3E}">
+        <p14:creationId xmlns:p14="http://schemas.microsoft.com/office/powerpoint/2010/main" val="580701513"/>
+      </p:ext>
+    </p:extLst>
+  </p:cSld>
+  <p:clrMapOvr>
+    <a:masterClrMapping/>
+  </p:clrMapOvr>
+</p:sld>
+</file>
+
 <file path=ppt/slides/slide2.xml><?xml version="1.0" encoding="utf-8"?>
 <p:sld xmlns:a="http://schemas.openxmlformats.org/drawingml/2006/main" xmlns:r="http://schemas.openxmlformats.org/officeDocument/2006/relationships" xmlns:p="http://schemas.openxmlformats.org/presentationml/2006/main">
   <p:cSld>
@@ -3746,7 +3840,12 @@
             <p:ph type="title"/>
           </p:nvPr>
         </p:nvSpPr>
-        <p:spPr/>
+        <p:spPr>
+          <a:xfrm>
+            <a:off x="104281" y="1969851"/>
+            <a:ext cx="9692640" cy="1325562"/>
+          </a:xfrm>
+        </p:spPr>
         <p:txBody>
           <a:bodyPr/>
           <a:lstStyle/>
@@ -3774,15 +3873,72 @@
             <p:ph idx="1"/>
           </p:nvPr>
         </p:nvSpPr>
-        <p:spPr/>
-        <p:txBody>
-          <a:bodyPr/>
-          <a:lstStyle/>
-          <a:p>
-            <a:endParaRPr lang="en-US"/>
-          </a:p>
-        </p:txBody>
-      </p:sp>
+        <p:spPr>
+          <a:xfrm>
+            <a:off x="104281" y="3432891"/>
+            <a:ext cx="8595360" cy="4351337"/>
+          </a:xfrm>
+        </p:spPr>
+        <p:txBody>
+          <a:bodyPr>
+            <a:normAutofit/>
+          </a:bodyPr>
+          <a:lstStyle/>
+          <a:p>
+            <a:r>
+              <a:rPr lang="en-US" sz="2400" dirty="0"/>
+              <a:t>Counties with lower incomes and counties whose residents work construction jobs will typically correlate with higher opiate distribution rates.</a:t>
+            </a:r>
+          </a:p>
+        </p:txBody>
+      </p:sp>
+      <p:pic>
+        <p:nvPicPr>
+          <p:cNvPr id="1026" name="Picture 2" descr="Image result for construction">
+            <a:extLst>
+              <a:ext uri="{FF2B5EF4-FFF2-40B4-BE49-F238E27FC236}">
+                <a16:creationId xmlns:a16="http://schemas.microsoft.com/office/drawing/2014/main" id="{1BE77460-D983-4430-B49B-3210D2FB0A0F}"/>
+              </a:ext>
+            </a:extLst>
+          </p:cNvPr>
+          <p:cNvPicPr>
+            <a:picLocks noChangeAspect="1" noChangeArrowheads="1"/>
+          </p:cNvPicPr>
+          <p:nvPr/>
+        </p:nvPicPr>
+        <p:blipFill>
+          <a:blip r:embed="rId2">
+            <a:extLst>
+              <a:ext uri="{28A0092B-C50C-407E-A947-70E740481C1C}">
+                <a14:useLocalDpi xmlns:a14="http://schemas.microsoft.com/office/drawing/2010/main" val="0"/>
+              </a:ext>
+            </a:extLst>
+          </a:blip>
+          <a:srcRect/>
+          <a:stretch>
+            <a:fillRect/>
+          </a:stretch>
+        </p:blipFill>
+        <p:spPr bwMode="auto">
+          <a:xfrm>
+            <a:off x="3781337" y="136187"/>
+            <a:ext cx="7183210" cy="3052864"/>
+          </a:xfrm>
+          <a:prstGeom prst="rect">
+            <a:avLst/>
+          </a:prstGeom>
+          <a:noFill/>
+          <a:extLst>
+            <a:ext uri="{909E8E84-426E-40DD-AFC4-6F175D3DCCD1}">
+              <a14:hiddenFill xmlns:a14="http://schemas.microsoft.com/office/drawing/2010/main">
+                <a:solidFill>
+                  <a:srgbClr val="FFFFFF"/>
+                </a:solidFill>
+              </a14:hiddenFill>
+            </a:ext>
+          </a:extLst>
+        </p:spPr>
+      </p:pic>
     </p:spTree>
     <p:extLst>
       <p:ext uri="{BB962C8B-B14F-4D97-AF65-F5344CB8AC3E}">
@@ -4142,7 +4298,7 @@
           <a:p>
             <a:r>
               <a:rPr lang="en-US" dirty="0"/>
-              <a:t>Analysis</a:t>
+              <a:t>Analysis – total dosage per capita</a:t>
             </a:r>
           </a:p>
         </p:txBody>
@@ -4595,6 +4751,41 @@
           <a:p>
             <a:pPr algn="ctr"/>
             <a:endParaRPr lang="en-US"/>
+          </a:p>
+        </p:txBody>
+      </p:sp>
+      <p:sp>
+        <p:nvSpPr>
+          <p:cNvPr id="3" name="TextBox 2">
+            <a:extLst>
+              <a:ext uri="{FF2B5EF4-FFF2-40B4-BE49-F238E27FC236}">
+                <a16:creationId xmlns:a16="http://schemas.microsoft.com/office/drawing/2014/main" id="{DD7C6C88-1955-4228-ABE8-8E131FFF562C}"/>
+              </a:ext>
+            </a:extLst>
+          </p:cNvPr>
+          <p:cNvSpPr txBox="1"/>
+          <p:nvPr/>
+        </p:nvSpPr>
+        <p:spPr>
+          <a:xfrm>
+            <a:off x="295275" y="5540931"/>
+            <a:ext cx="9980578" cy="923330"/>
+          </a:xfrm>
+          <a:prstGeom prst="rect">
+            <a:avLst/>
+          </a:prstGeom>
+          <a:noFill/>
+        </p:spPr>
+        <p:txBody>
+          <a:bodyPr wrap="square" rtlCol="0">
+            <a:spAutoFit/>
+          </a:bodyPr>
+          <a:lstStyle/>
+          <a:p>
+            <a:r>
+              <a:rPr lang="en-US" dirty="0"/>
+              <a:t>As expected, the gross number of pills distributed is highest in urban areas but once the population is taken into account, the per capita concentrations tend to increase in the surrounding counties.</a:t>
+            </a:r>
           </a:p>
         </p:txBody>
       </p:sp>
@@ -4663,10 +4854,10 @@
       </p:sp>
       <p:pic>
         <p:nvPicPr>
-          <p:cNvPr id="6" name="Picture 5" descr="A close up of a map&#10;&#10;Description automatically generated">
+          <p:cNvPr id="21" name="Picture 20">
             <a:extLst>
               <a:ext uri="{FF2B5EF4-FFF2-40B4-BE49-F238E27FC236}">
-                <a16:creationId xmlns:a16="http://schemas.microsoft.com/office/drawing/2014/main" id="{8FDFBA91-5FDD-45B2-BCA9-BE957A396A4E}"/>
+                <a16:creationId xmlns:a16="http://schemas.microsoft.com/office/drawing/2014/main" id="{691CAE4B-ADCD-41C7-992C-ADB8F49C4D28}"/>
               </a:ext>
             </a:extLst>
           </p:cNvPr>
@@ -4676,21 +4867,15 @@
           <p:nvPr/>
         </p:nvPicPr>
         <p:blipFill>
-          <a:blip r:embed="rId2">
-            <a:extLst>
-              <a:ext uri="{28A0092B-C50C-407E-A947-70E740481C1C}">
-                <a14:useLocalDpi xmlns:a14="http://schemas.microsoft.com/office/drawing/2010/main" val="0"/>
-              </a:ext>
-            </a:extLst>
-          </a:blip>
+          <a:blip r:embed="rId2"/>
           <a:stretch>
             <a:fillRect/>
           </a:stretch>
         </p:blipFill>
         <p:spPr>
           <a:xfrm>
-            <a:off x="6228725" y="1658521"/>
-            <a:ext cx="4601200" cy="3067466"/>
+            <a:off x="535982" y="1502714"/>
+            <a:ext cx="3606810" cy="3287518"/>
           </a:xfrm>
           <a:prstGeom prst="rect">
             <a:avLst/>
@@ -4699,10 +4884,10 @@
       </p:pic>
       <p:pic>
         <p:nvPicPr>
-          <p:cNvPr id="8" name="Picture 7" descr="A screenshot of a cell phone&#10;&#10;Description automatically generated">
+          <p:cNvPr id="23" name="Picture 22" descr="A screenshot of a cell phone&#10;&#10;Description automatically generated">
             <a:extLst>
               <a:ext uri="{FF2B5EF4-FFF2-40B4-BE49-F238E27FC236}">
-                <a16:creationId xmlns:a16="http://schemas.microsoft.com/office/drawing/2014/main" id="{FD8CE882-E547-4D9C-AFD1-D0A49C3822B3}"/>
+                <a16:creationId xmlns:a16="http://schemas.microsoft.com/office/drawing/2014/main" id="{42CDCDD7-81B8-4C10-B0A2-5AB83ADA8CA4}"/>
               </a:ext>
             </a:extLst>
           </p:cNvPr>
@@ -4725,88 +4910,18 @@
         </p:blipFill>
         <p:spPr>
           <a:xfrm>
-            <a:off x="518486" y="1658521"/>
-            <a:ext cx="4601200" cy="3067466"/>
+            <a:off x="4846319" y="-1"/>
+            <a:ext cx="6702357" cy="6702357"/>
           </a:xfrm>
           <a:prstGeom prst="rect">
             <a:avLst/>
           </a:prstGeom>
         </p:spPr>
       </p:pic>
-      <p:sp>
-        <p:nvSpPr>
-          <p:cNvPr id="16" name="TextBox 15">
-            <a:extLst>
-              <a:ext uri="{FF2B5EF4-FFF2-40B4-BE49-F238E27FC236}">
-                <a16:creationId xmlns:a16="http://schemas.microsoft.com/office/drawing/2014/main" id="{810B034D-B8A7-453B-9EFF-50CBCE48FC9E}"/>
-              </a:ext>
-            </a:extLst>
-          </p:cNvPr>
-          <p:cNvSpPr txBox="1"/>
-          <p:nvPr/>
-        </p:nvSpPr>
-        <p:spPr>
-          <a:xfrm>
-            <a:off x="1166498" y="1473855"/>
-            <a:ext cx="3305175" cy="369332"/>
-          </a:xfrm>
-          <a:prstGeom prst="rect">
-            <a:avLst/>
-          </a:prstGeom>
-          <a:noFill/>
-        </p:spPr>
-        <p:txBody>
-          <a:bodyPr wrap="square" rtlCol="0">
-            <a:spAutoFit/>
-          </a:bodyPr>
-          <a:lstStyle/>
-          <a:p>
-            <a:r>
-              <a:rPr lang="en-US" dirty="0"/>
-              <a:t>Poverty Rate vs Pill Quantity</a:t>
-            </a:r>
-          </a:p>
-        </p:txBody>
-      </p:sp>
-      <p:sp>
-        <p:nvSpPr>
-          <p:cNvPr id="17" name="TextBox 16">
-            <a:extLst>
-              <a:ext uri="{FF2B5EF4-FFF2-40B4-BE49-F238E27FC236}">
-                <a16:creationId xmlns:a16="http://schemas.microsoft.com/office/drawing/2014/main" id="{D45C3EE8-7CCF-4976-BB7B-1D9DDDE5141B}"/>
-              </a:ext>
-            </a:extLst>
-          </p:cNvPr>
-          <p:cNvSpPr txBox="1"/>
-          <p:nvPr/>
-        </p:nvSpPr>
-        <p:spPr>
-          <a:xfrm>
-            <a:off x="6380091" y="1424466"/>
-            <a:ext cx="4298468" cy="369332"/>
-          </a:xfrm>
-          <a:prstGeom prst="rect">
-            <a:avLst/>
-          </a:prstGeom>
-          <a:noFill/>
-        </p:spPr>
-        <p:txBody>
-          <a:bodyPr wrap="square" rtlCol="0">
-            <a:spAutoFit/>
-          </a:bodyPr>
-          <a:lstStyle/>
-          <a:p>
-            <a:r>
-              <a:rPr lang="en-US" dirty="0"/>
-              <a:t>Construction Jobs vs. Pill Quantity</a:t>
-            </a:r>
-          </a:p>
-        </p:txBody>
-      </p:sp>
     </p:spTree>
     <p:extLst>
       <p:ext uri="{BB962C8B-B14F-4D97-AF65-F5344CB8AC3E}">
-        <p14:creationId xmlns:p14="http://schemas.microsoft.com/office/powerpoint/2010/main" val="2648464418"/>
+        <p14:creationId xmlns:p14="http://schemas.microsoft.com/office/powerpoint/2010/main" val="1375572265"/>
       </p:ext>
     </p:extLst>
   </p:cSld>
@@ -4851,8 +4966,8 @@
         </p:nvSpPr>
         <p:spPr>
           <a:xfrm>
-            <a:off x="638175" y="-66675"/>
-            <a:ext cx="2400300" cy="934829"/>
+            <a:off x="0" y="15082"/>
+            <a:ext cx="9692640" cy="934829"/>
           </a:xfrm>
         </p:spPr>
         <p:txBody>
@@ -4866,21 +4981,89 @@
           </a:p>
         </p:txBody>
       </p:sp>
+      <p:sp>
+        <p:nvSpPr>
+          <p:cNvPr id="16" name="TextBox 15">
+            <a:extLst>
+              <a:ext uri="{FF2B5EF4-FFF2-40B4-BE49-F238E27FC236}">
+                <a16:creationId xmlns:a16="http://schemas.microsoft.com/office/drawing/2014/main" id="{810B034D-B8A7-453B-9EFF-50CBCE48FC9E}"/>
+              </a:ext>
+            </a:extLst>
+          </p:cNvPr>
+          <p:cNvSpPr txBox="1"/>
+          <p:nvPr/>
+        </p:nvSpPr>
+        <p:spPr>
+          <a:xfrm>
+            <a:off x="1166498" y="1473855"/>
+            <a:ext cx="3305175" cy="369332"/>
+          </a:xfrm>
+          <a:prstGeom prst="rect">
+            <a:avLst/>
+          </a:prstGeom>
+          <a:noFill/>
+        </p:spPr>
+        <p:txBody>
+          <a:bodyPr wrap="square" rtlCol="0">
+            <a:spAutoFit/>
+          </a:bodyPr>
+          <a:lstStyle/>
+          <a:p>
+            <a:r>
+              <a:rPr lang="en-US" dirty="0"/>
+              <a:t>STEM Jobs vs Pill Quantity</a:t>
+            </a:r>
+          </a:p>
+        </p:txBody>
+      </p:sp>
+      <p:sp>
+        <p:nvSpPr>
+          <p:cNvPr id="17" name="TextBox 16">
+            <a:extLst>
+              <a:ext uri="{FF2B5EF4-FFF2-40B4-BE49-F238E27FC236}">
+                <a16:creationId xmlns:a16="http://schemas.microsoft.com/office/drawing/2014/main" id="{D45C3EE8-7CCF-4976-BB7B-1D9DDDE5141B}"/>
+              </a:ext>
+            </a:extLst>
+          </p:cNvPr>
+          <p:cNvSpPr txBox="1"/>
+          <p:nvPr/>
+        </p:nvSpPr>
+        <p:spPr>
+          <a:xfrm>
+            <a:off x="6380091" y="1424466"/>
+            <a:ext cx="4298468" cy="369332"/>
+          </a:xfrm>
+          <a:prstGeom prst="rect">
+            <a:avLst/>
+          </a:prstGeom>
+          <a:noFill/>
+        </p:spPr>
+        <p:txBody>
+          <a:bodyPr wrap="square" rtlCol="0">
+            <a:spAutoFit/>
+          </a:bodyPr>
+          <a:lstStyle/>
+          <a:p>
+            <a:r>
+              <a:rPr lang="en-US" dirty="0"/>
+              <a:t>Construction Jobs vs. Pill Quantity</a:t>
+            </a:r>
+          </a:p>
+        </p:txBody>
+      </p:sp>
       <p:pic>
         <p:nvPicPr>
-          <p:cNvPr id="5" name="Content Placeholder 4" descr="A close up of text on a white background&#10;&#10;Description automatically generated">
+          <p:cNvPr id="4" name="Picture 3" descr="A close up of a map&#10;&#10;Description automatically generated">
             <a:extLst>
               <a:ext uri="{FF2B5EF4-FFF2-40B4-BE49-F238E27FC236}">
-                <a16:creationId xmlns:a16="http://schemas.microsoft.com/office/drawing/2014/main" id="{94E78DA8-3E94-485E-8F30-788A7265AB39}"/>
+                <a16:creationId xmlns:a16="http://schemas.microsoft.com/office/drawing/2014/main" id="{E3CDBC23-9506-424A-8608-B138D9FFCEA9}"/>
               </a:ext>
             </a:extLst>
           </p:cNvPr>
           <p:cNvPicPr>
-            <a:picLocks noGrp="1" noChangeAspect="1"/>
+            <a:picLocks noChangeAspect="1"/>
           </p:cNvPicPr>
-          <p:nvPr>
-            <p:ph idx="1"/>
-          </p:nvPr>
+          <p:nvPr/>
         </p:nvPicPr>
         <p:blipFill>
           <a:blip r:embed="rId2">
@@ -4896,18 +5079,54 @@
         </p:blipFill>
         <p:spPr>
           <a:xfrm>
-            <a:off x="3876676" y="65642"/>
-            <a:ext cx="6770448" cy="6649853"/>
-          </a:xfrm>
-          <a:ln>
-            <a:noFill/>
-          </a:ln>
+            <a:off x="5890102" y="1260609"/>
+            <a:ext cx="5487650" cy="3658433"/>
+          </a:xfrm>
+          <a:prstGeom prst="rect">
+            <a:avLst/>
+          </a:prstGeom>
+        </p:spPr>
+      </p:pic>
+      <p:pic>
+        <p:nvPicPr>
+          <p:cNvPr id="7" name="Picture 6" descr="A screenshot of a cell phone&#10;&#10;Description automatically generated">
+            <a:extLst>
+              <a:ext uri="{FF2B5EF4-FFF2-40B4-BE49-F238E27FC236}">
+                <a16:creationId xmlns:a16="http://schemas.microsoft.com/office/drawing/2014/main" id="{A3608074-66C1-4E5C-83F7-F9D637AAF7D3}"/>
+              </a:ext>
+            </a:extLst>
+          </p:cNvPr>
+          <p:cNvPicPr>
+            <a:picLocks noChangeAspect="1"/>
+          </p:cNvPicPr>
+          <p:nvPr/>
+        </p:nvPicPr>
+        <p:blipFill>
+          <a:blip r:embed="rId3">
+            <a:extLst>
+              <a:ext uri="{28A0092B-C50C-407E-A947-70E740481C1C}">
+                <a14:useLocalDpi xmlns:a14="http://schemas.microsoft.com/office/drawing/2010/main" val="0"/>
+              </a:ext>
+            </a:extLst>
+          </a:blip>
+          <a:stretch>
+            <a:fillRect/>
+          </a:stretch>
+        </p:blipFill>
+        <p:spPr>
+          <a:xfrm>
+            <a:off x="161106" y="1260609"/>
+            <a:ext cx="5487650" cy="3658433"/>
+          </a:xfrm>
+          <a:prstGeom prst="rect">
+            <a:avLst/>
+          </a:prstGeom>
         </p:spPr>
       </p:pic>
     </p:spTree>
     <p:extLst>
       <p:ext uri="{BB962C8B-B14F-4D97-AF65-F5344CB8AC3E}">
-        <p14:creationId xmlns:p14="http://schemas.microsoft.com/office/powerpoint/2010/main" val="2874377814"/>
+        <p14:creationId xmlns:p14="http://schemas.microsoft.com/office/powerpoint/2010/main" val="2645610964"/>
       </p:ext>
     </p:extLst>
   </p:cSld>
@@ -4939,7 +5158,7 @@
           <p:cNvPr id="2" name="Title 1">
             <a:extLst>
               <a:ext uri="{FF2B5EF4-FFF2-40B4-BE49-F238E27FC236}">
-                <a16:creationId xmlns:a16="http://schemas.microsoft.com/office/drawing/2014/main" id="{381FF4EF-C211-4897-BCAA-3B6AD0981F1A}"/>
+                <a16:creationId xmlns:a16="http://schemas.microsoft.com/office/drawing/2014/main" id="{4FB99FCE-194F-43B9-9775-7D2EC1E961EB}"/>
               </a:ext>
             </a:extLst>
           </p:cNvPr>
@@ -4952,8 +5171,8 @@
         </p:nvSpPr>
         <p:spPr>
           <a:xfrm>
-            <a:off x="0" y="15082"/>
-            <a:ext cx="9692640" cy="792786"/>
+            <a:off x="638175" y="-66675"/>
+            <a:ext cx="2400300" cy="934829"/>
           </a:xfrm>
         </p:spPr>
         <p:txBody>
@@ -4962,46 +5181,86 @@
           <a:p>
             <a:r>
               <a:rPr lang="en-US" dirty="0"/>
-              <a:t>Challenges</a:t>
-            </a:r>
-          </a:p>
-        </p:txBody>
-      </p:sp>
-      <p:sp>
-        <p:nvSpPr>
-          <p:cNvPr id="3" name="Content Placeholder 2">
+              <a:t>Analysis</a:t>
+            </a:r>
+          </a:p>
+        </p:txBody>
+      </p:sp>
+      <p:pic>
+        <p:nvPicPr>
+          <p:cNvPr id="7" name="Content Placeholder 6" descr="A close up of text on a white background&#10;&#10;Description automatically generated">
             <a:extLst>
               <a:ext uri="{FF2B5EF4-FFF2-40B4-BE49-F238E27FC236}">
-                <a16:creationId xmlns:a16="http://schemas.microsoft.com/office/drawing/2014/main" id="{3BEBF5DC-D972-4EB0-80BD-B2284D6B8EDE}"/>
+                <a16:creationId xmlns:a16="http://schemas.microsoft.com/office/drawing/2014/main" id="{C43CB727-DF63-46F6-A21D-600FEE303C8F}"/>
               </a:ext>
             </a:extLst>
           </p:cNvPr>
-          <p:cNvSpPr>
-            <a:spLocks noGrp="1"/>
-          </p:cNvSpPr>
+          <p:cNvPicPr>
+            <a:picLocks noGrp="1" noChangeAspect="1"/>
+          </p:cNvPicPr>
           <p:nvPr>
             <p:ph idx="1"/>
           </p:nvPr>
-        </p:nvSpPr>
-        <p:spPr>
-          <a:xfrm>
-            <a:off x="480637" y="1036014"/>
-            <a:ext cx="8595360" cy="4351337"/>
-          </a:xfrm>
-        </p:spPr>
-        <p:txBody>
-          <a:bodyPr/>
+        </p:nvPicPr>
+        <p:blipFill>
+          <a:blip r:embed="rId2">
+            <a:extLst>
+              <a:ext uri="{28A0092B-C50C-407E-A947-70E740481C1C}">
+                <a14:useLocalDpi xmlns:a14="http://schemas.microsoft.com/office/drawing/2010/main" val="0"/>
+              </a:ext>
+            </a:extLst>
+          </a:blip>
+          <a:stretch>
+            <a:fillRect/>
+          </a:stretch>
+        </p:blipFill>
+        <p:spPr>
+          <a:xfrm>
+            <a:off x="4257675" y="190103"/>
+            <a:ext cx="6477794" cy="6477794"/>
+          </a:xfrm>
+        </p:spPr>
+      </p:pic>
+      <p:sp>
+        <p:nvSpPr>
+          <p:cNvPr id="8" name="TextBox 7">
+            <a:extLst>
+              <a:ext uri="{FF2B5EF4-FFF2-40B4-BE49-F238E27FC236}">
+                <a16:creationId xmlns:a16="http://schemas.microsoft.com/office/drawing/2014/main" id="{F6A6CC84-A36F-463C-8CCB-166469514C51}"/>
+              </a:ext>
+            </a:extLst>
+          </p:cNvPr>
+          <p:cNvSpPr txBox="1"/>
+          <p:nvPr/>
+        </p:nvSpPr>
+        <p:spPr>
+          <a:xfrm>
+            <a:off x="350196" y="1517514"/>
+            <a:ext cx="3686783" cy="3139321"/>
+          </a:xfrm>
+          <a:prstGeom prst="rect">
+            <a:avLst/>
+          </a:prstGeom>
+          <a:noFill/>
+        </p:spPr>
+        <p:txBody>
+          <a:bodyPr wrap="square" rtlCol="0">
+            <a:spAutoFit/>
+          </a:bodyPr>
           <a:lstStyle/>
           <a:p>
             <a:r>
               <a:rPr lang="en-US" dirty="0"/>
-              <a:t>80GB DEA database was too large to handle normally and had to be broken down into multiple smaller files and then parsed into state level files to be useable in Pandas</a:t>
-            </a:r>
+              <a:t>There are no overwhelmingly strong correlations observed. The strongest with a 0.6 correlation coefficient is STEM Jobs and Average Income. </a:t>
+            </a:r>
+          </a:p>
+          <a:p>
+            <a:endParaRPr lang="en-US" dirty="0"/>
           </a:p>
           <a:p>
             <a:r>
               <a:rPr lang="en-US" dirty="0"/>
-              <a:t>The DEA database had very poor documentation</a:t>
+              <a:t>Interestingly pill quantity correlates positively with STEM jobs per capita and negatively with Construction jobs per capita.</a:t>
             </a:r>
           </a:p>
         </p:txBody>
@@ -5009,7 +5268,7 @@
     </p:spTree>
     <p:extLst>
       <p:ext uri="{BB962C8B-B14F-4D97-AF65-F5344CB8AC3E}">
-        <p14:creationId xmlns:p14="http://schemas.microsoft.com/office/powerpoint/2010/main" val="1174602563"/>
+        <p14:creationId xmlns:p14="http://schemas.microsoft.com/office/powerpoint/2010/main" val="2874377814"/>
       </p:ext>
     </p:extLst>
   </p:cSld>
@@ -5041,7 +5300,7 @@
           <p:cNvPr id="2" name="Title 1">
             <a:extLst>
               <a:ext uri="{FF2B5EF4-FFF2-40B4-BE49-F238E27FC236}">
-                <a16:creationId xmlns:a16="http://schemas.microsoft.com/office/drawing/2014/main" id="{8D208298-2F70-4D2D-A388-0F6EA98E6DC5}"/>
+                <a16:creationId xmlns:a16="http://schemas.microsoft.com/office/drawing/2014/main" id="{381FF4EF-C211-4897-BCAA-3B6AD0981F1A}"/>
               </a:ext>
             </a:extLst>
           </p:cNvPr>
@@ -5055,7 +5314,7 @@
         <p:spPr>
           <a:xfrm>
             <a:off x="0" y="15082"/>
-            <a:ext cx="9692640" cy="925951"/>
+            <a:ext cx="9692640" cy="792786"/>
           </a:xfrm>
         </p:spPr>
         <p:txBody>
@@ -5064,7 +5323,7 @@
           <a:p>
             <a:r>
               <a:rPr lang="en-US" dirty="0"/>
-              <a:t>Conclusions and Further Work</a:t>
+              <a:t>Challenges</a:t>
             </a:r>
           </a:p>
         </p:txBody>
@@ -5074,7 +5333,7 @@
           <p:cNvPr id="3" name="Content Placeholder 2">
             <a:extLst>
               <a:ext uri="{FF2B5EF4-FFF2-40B4-BE49-F238E27FC236}">
-                <a16:creationId xmlns:a16="http://schemas.microsoft.com/office/drawing/2014/main" id="{1B407EFE-C91B-4DEC-A799-7EE3702B607F}"/>
+                <a16:creationId xmlns:a16="http://schemas.microsoft.com/office/drawing/2014/main" id="{3BEBF5DC-D972-4EB0-80BD-B2284D6B8EDE}"/>
               </a:ext>
             </a:extLst>
           </p:cNvPr>
@@ -5085,19 +5344,33 @@
             <p:ph idx="1"/>
           </p:nvPr>
         </p:nvSpPr>
-        <p:spPr/>
+        <p:spPr>
+          <a:xfrm>
+            <a:off x="480637" y="1036014"/>
+            <a:ext cx="8595360" cy="4351337"/>
+          </a:xfrm>
+        </p:spPr>
         <p:txBody>
           <a:bodyPr/>
           <a:lstStyle/>
           <a:p>
-            <a:endParaRPr lang="en-US" dirty="0"/>
+            <a:r>
+              <a:rPr lang="en-US" dirty="0"/>
+              <a:t>80GB DEA database was too large to handle normally and had to be broken down into multiple smaller files and then parsed into state level files to be useable in Pandas</a:t>
+            </a:r>
+          </a:p>
+          <a:p>
+            <a:r>
+              <a:rPr lang="en-US" dirty="0"/>
+              <a:t>The DEA database had very poor documentation</a:t>
+            </a:r>
           </a:p>
         </p:txBody>
       </p:sp>
     </p:spTree>
     <p:extLst>
       <p:ext uri="{BB962C8B-B14F-4D97-AF65-F5344CB8AC3E}">
-        <p14:creationId xmlns:p14="http://schemas.microsoft.com/office/powerpoint/2010/main" val="580701513"/>
+        <p14:creationId xmlns:p14="http://schemas.microsoft.com/office/powerpoint/2010/main" val="1174602563"/>
       </p:ext>
     </p:extLst>
   </p:cSld>

--- a/Digging into the DEA.pptx
+++ b/Digging into the DEA.pptx
@@ -12,9 +12,10 @@
     <p:sldId id="260" r:id="rId6"/>
     <p:sldId id="266" r:id="rId7"/>
     <p:sldId id="267" r:id="rId8"/>
-    <p:sldId id="263" r:id="rId9"/>
-    <p:sldId id="262" r:id="rId10"/>
-    <p:sldId id="261" r:id="rId11"/>
+    <p:sldId id="268" r:id="rId9"/>
+    <p:sldId id="263" r:id="rId10"/>
+    <p:sldId id="262" r:id="rId11"/>
+    <p:sldId id="261" r:id="rId12"/>
   </p:sldIdLst>
   <p:sldSz cx="12192000" cy="6858000"/>
   <p:notesSz cx="6858000" cy="9144000"/>
@@ -3722,6 +3723,14 @@
 <file path=ppt/slides/slide10.xml><?xml version="1.0" encoding="utf-8"?>
 <p:sld xmlns:a="http://schemas.openxmlformats.org/drawingml/2006/main" xmlns:r="http://schemas.openxmlformats.org/officeDocument/2006/relationships" xmlns:p="http://schemas.openxmlformats.org/presentationml/2006/main">
   <p:cSld>
+    <p:bg>
+      <p:bgPr>
+        <a:solidFill>
+          <a:schemeClr val="bg1"/>
+        </a:solidFill>
+        <a:effectLst/>
+      </p:bgPr>
+    </p:bg>
     <p:spTree>
       <p:nvGrpSpPr>
         <p:cNvPr id="1" name=""/>
@@ -3741,6 +3750,215 @@
           <p:cNvPr id="2" name="Title 1">
             <a:extLst>
               <a:ext uri="{FF2B5EF4-FFF2-40B4-BE49-F238E27FC236}">
+                <a16:creationId xmlns:a16="http://schemas.microsoft.com/office/drawing/2014/main" id="{381FF4EF-C211-4897-BCAA-3B6AD0981F1A}"/>
+              </a:ext>
+            </a:extLst>
+          </p:cNvPr>
+          <p:cNvSpPr>
+            <a:spLocks noGrp="1"/>
+          </p:cNvSpPr>
+          <p:nvPr>
+            <p:ph type="title"/>
+          </p:nvPr>
+        </p:nvSpPr>
+        <p:spPr>
+          <a:xfrm>
+            <a:off x="7884974" y="0"/>
+            <a:ext cx="3075836" cy="924128"/>
+          </a:xfrm>
+        </p:spPr>
+        <p:txBody>
+          <a:bodyPr>
+            <a:normAutofit/>
+          </a:bodyPr>
+          <a:lstStyle/>
+          <a:p>
+            <a:r>
+              <a:rPr lang="en-US" sz="3200" dirty="0"/>
+              <a:t>Challenges</a:t>
+            </a:r>
+          </a:p>
+        </p:txBody>
+      </p:sp>
+      <p:pic>
+        <p:nvPicPr>
+          <p:cNvPr id="2050" name="Picture 2" descr="Image result for difficult">
+            <a:extLst>
+              <a:ext uri="{FF2B5EF4-FFF2-40B4-BE49-F238E27FC236}">
+                <a16:creationId xmlns:a16="http://schemas.microsoft.com/office/drawing/2014/main" id="{3002EC1D-DD53-4EFD-97FD-FFC3EA347490}"/>
+              </a:ext>
+            </a:extLst>
+          </p:cNvPr>
+          <p:cNvPicPr>
+            <a:picLocks noChangeAspect="1" noChangeArrowheads="1"/>
+          </p:cNvPicPr>
+          <p:nvPr/>
+        </p:nvPicPr>
+        <p:blipFill rotWithShape="1">
+          <a:blip r:embed="rId2">
+            <a:extLst>
+              <a:ext uri="{28A0092B-C50C-407E-A947-70E740481C1C}">
+                <a14:useLocalDpi xmlns:a14="http://schemas.microsoft.com/office/drawing/2010/main" val="0"/>
+              </a:ext>
+            </a:extLst>
+          </a:blip>
+          <a:srcRect l="12972" r="14064" b="-1"/>
+          <a:stretch/>
+        </p:blipFill>
+        <p:spPr bwMode="auto">
+          <a:xfrm>
+            <a:off x="20" y="10"/>
+            <a:ext cx="7552924" cy="6857990"/>
+          </a:xfrm>
+          <a:prstGeom prst="rect">
+            <a:avLst/>
+          </a:prstGeom>
+          <a:noFill/>
+          <a:extLst>
+            <a:ext uri="{909E8E84-426E-40DD-AFC4-6F175D3DCCD1}">
+              <a14:hiddenFill xmlns:a14="http://schemas.microsoft.com/office/drawing/2010/main">
+                <a:solidFill>
+                  <a:srgbClr val="FFFFFF"/>
+                </a:solidFill>
+              </a14:hiddenFill>
+            </a:ext>
+          </a:extLst>
+        </p:spPr>
+      </p:pic>
+      <p:sp>
+        <p:nvSpPr>
+          <p:cNvPr id="3" name="Content Placeholder 2">
+            <a:extLst>
+              <a:ext uri="{FF2B5EF4-FFF2-40B4-BE49-F238E27FC236}">
+                <a16:creationId xmlns:a16="http://schemas.microsoft.com/office/drawing/2014/main" id="{3BEBF5DC-D972-4EB0-80BD-B2284D6B8EDE}"/>
+              </a:ext>
+            </a:extLst>
+          </p:cNvPr>
+          <p:cNvSpPr>
+            <a:spLocks noGrp="1"/>
+          </p:cNvSpPr>
+          <p:nvPr>
+            <p:ph idx="1"/>
+          </p:nvPr>
+        </p:nvSpPr>
+        <p:spPr>
+          <a:xfrm>
+            <a:off x="7884974" y="1296875"/>
+            <a:ext cx="3075836" cy="4243182"/>
+          </a:xfrm>
+        </p:spPr>
+        <p:txBody>
+          <a:bodyPr>
+            <a:normAutofit/>
+          </a:bodyPr>
+          <a:lstStyle/>
+          <a:p>
+            <a:r>
+              <a:rPr lang="en-US" sz="1600" dirty="0"/>
+              <a:t>80GB DEA database was too large to handle normally and had to be broken down into multiple smaller files and then parsed into state level files to be useable in Pandas</a:t>
+            </a:r>
+          </a:p>
+          <a:p>
+            <a:r>
+              <a:rPr lang="en-US" sz="1600" dirty="0"/>
+              <a:t>The DEA database had very poor documentation</a:t>
+            </a:r>
+          </a:p>
+        </p:txBody>
+      </p:sp>
+      <p:sp>
+        <p:nvSpPr>
+          <p:cNvPr id="71" name="Rectangle 70">
+            <a:extLst>
+              <a:ext uri="{FF2B5EF4-FFF2-40B4-BE49-F238E27FC236}">
+                <a16:creationId xmlns:a16="http://schemas.microsoft.com/office/drawing/2014/main" id="{0B67D982-25C5-4CC2-AA64-276BE3B2CA75}"/>
+              </a:ext>
+              <a:ext uri="{C183D7F6-B498-43B3-948B-1728B52AA6E4}">
+                <adec:decorative xmlns:adec="http://schemas.microsoft.com/office/drawing/2017/decorative" val="1"/>
+              </a:ext>
+            </a:extLst>
+          </p:cNvPr>
+          <p:cNvSpPr>
+            <a:spLocks noGrp="1" noRot="1" noChangeAspect="1" noMove="1" noResize="1" noEditPoints="1" noAdjustHandles="1" noChangeArrowheads="1" noChangeShapeType="1" noTextEdit="1"/>
+          </p:cNvSpPr>
+          <p:nvPr>
+            <p:extLst>
+              <p:ext uri="{386F3935-93C4-4BCD-93E2-E3B085C9AB24}">
+                <p16:designElem xmlns:p16="http://schemas.microsoft.com/office/powerpoint/2015/main" val="1"/>
+              </p:ext>
+            </p:extLst>
+          </p:nvPr>
+        </p:nvSpPr>
+        <p:spPr>
+          <a:xfrm>
+            <a:off x="11292840" y="0"/>
+            <a:ext cx="914400" cy="6858000"/>
+          </a:xfrm>
+          <a:prstGeom prst="rect">
+            <a:avLst/>
+          </a:prstGeom>
+          <a:solidFill>
+            <a:schemeClr val="tx2">
+              <a:lumMod val="75000"/>
+              <a:alpha val="90000"/>
+            </a:schemeClr>
+          </a:solidFill>
+          <a:ln>
+            <a:noFill/>
+          </a:ln>
+        </p:spPr>
+        <p:style>
+          <a:lnRef idx="2">
+            <a:schemeClr val="accent1">
+              <a:shade val="50000"/>
+            </a:schemeClr>
+          </a:lnRef>
+          <a:fillRef idx="1">
+            <a:schemeClr val="accent1"/>
+          </a:fillRef>
+          <a:effectRef idx="0">
+            <a:schemeClr val="accent1"/>
+          </a:effectRef>
+          <a:fontRef idx="minor">
+            <a:schemeClr val="lt1"/>
+          </a:fontRef>
+        </p:style>
+      </p:sp>
+    </p:spTree>
+    <p:extLst>
+      <p:ext uri="{BB962C8B-B14F-4D97-AF65-F5344CB8AC3E}">
+        <p14:creationId xmlns:p14="http://schemas.microsoft.com/office/powerpoint/2010/main" val="1174602563"/>
+      </p:ext>
+    </p:extLst>
+  </p:cSld>
+  <p:clrMapOvr>
+    <a:masterClrMapping/>
+  </p:clrMapOvr>
+</p:sld>
+</file>
+
+<file path=ppt/slides/slide11.xml><?xml version="1.0" encoding="utf-8"?>
+<p:sld xmlns:a="http://schemas.openxmlformats.org/drawingml/2006/main" xmlns:r="http://schemas.openxmlformats.org/officeDocument/2006/relationships" xmlns:p="http://schemas.openxmlformats.org/presentationml/2006/main">
+  <p:cSld>
+    <p:spTree>
+      <p:nvGrpSpPr>
+        <p:cNvPr id="1" name=""/>
+        <p:cNvGrpSpPr/>
+        <p:nvPr/>
+      </p:nvGrpSpPr>
+      <p:grpSpPr>
+        <a:xfrm>
+          <a:off x="0" y="0"/>
+          <a:ext cx="0" cy="0"/>
+          <a:chOff x="0" y="0"/>
+          <a:chExt cx="0" cy="0"/>
+        </a:xfrm>
+      </p:grpSpPr>
+      <p:sp>
+        <p:nvSpPr>
+          <p:cNvPr id="2" name="Title 1">
+            <a:extLst>
+              <a:ext uri="{FF2B5EF4-FFF2-40B4-BE49-F238E27FC236}">
                 <a16:creationId xmlns:a16="http://schemas.microsoft.com/office/drawing/2014/main" id="{8D208298-2F70-4D2D-A388-0F6EA98E6DC5}"/>
               </a:ext>
             </a:extLst>
@@ -3785,12 +4003,26 @@
             <p:ph idx="1"/>
           </p:nvPr>
         </p:nvSpPr>
-        <p:spPr/>
+        <p:spPr>
+          <a:xfrm>
+            <a:off x="664712" y="1184987"/>
+            <a:ext cx="9916202" cy="4351337"/>
+          </a:xfrm>
+        </p:spPr>
         <p:txBody>
           <a:bodyPr/>
           <a:lstStyle/>
           <a:p>
-            <a:endParaRPr lang="en-US" dirty="0"/>
+            <a:r>
+              <a:rPr lang="en-US" dirty="0"/>
+              <a:t>No clear or statistically significant correlations in the observed census data to opiate distribution</a:t>
+            </a:r>
+          </a:p>
+          <a:p>
+            <a:r>
+              <a:rPr lang="en-US" dirty="0"/>
+              <a:t>Next steps would be to evaluate opiate related overdoses and deaths and work to correlate to distribution numbers and population to try and find where opiates are being appropriately prescribed rather than abused.</a:t>
+            </a:r>
           </a:p>
         </p:txBody>
       </p:sp>
@@ -4168,6 +4400,14 @@
 <file path=ppt/slides/slide4.xml><?xml version="1.0" encoding="utf-8"?>
 <p:sld xmlns:a="http://schemas.openxmlformats.org/drawingml/2006/main" xmlns:r="http://schemas.openxmlformats.org/officeDocument/2006/relationships" xmlns:p="http://schemas.openxmlformats.org/presentationml/2006/main">
   <p:cSld>
+    <p:bg>
+      <p:bgPr>
+        <a:solidFill>
+          <a:schemeClr val="bg1"/>
+        </a:solidFill>
+        <a:effectLst/>
+      </p:bgPr>
+    </p:bg>
     <p:spTree>
       <p:nvGrpSpPr>
         <p:cNvPr id="1" name=""/>
@@ -4184,6 +4424,179 @@
       </p:grpSpPr>
       <p:sp>
         <p:nvSpPr>
+          <p:cNvPr id="71" name="Rectangle 70">
+            <a:extLst>
+              <a:ext uri="{FF2B5EF4-FFF2-40B4-BE49-F238E27FC236}">
+                <a16:creationId xmlns:a16="http://schemas.microsoft.com/office/drawing/2014/main" id="{5D5E0904-721C-4D68-9EB8-1C9752E329A7}"/>
+              </a:ext>
+              <a:ext uri="{C183D7F6-B498-43B3-948B-1728B52AA6E4}">
+                <adec:decorative xmlns:adec="http://schemas.microsoft.com/office/drawing/2017/decorative" val="1"/>
+              </a:ext>
+            </a:extLst>
+          </p:cNvPr>
+          <p:cNvSpPr>
+            <a:spLocks noGrp="1" noRot="1" noChangeAspect="1" noMove="1" noResize="1" noEditPoints="1" noAdjustHandles="1" noChangeArrowheads="1" noChangeShapeType="1" noTextEdit="1"/>
+          </p:cNvSpPr>
+          <p:nvPr>
+            <p:extLst>
+              <p:ext uri="{386F3935-93C4-4BCD-93E2-E3B085C9AB24}">
+                <p16:designElem xmlns:p16="http://schemas.microsoft.com/office/powerpoint/2015/main" val="1"/>
+              </p:ext>
+            </p:extLst>
+          </p:nvPr>
+        </p:nvSpPr>
+        <p:spPr>
+          <a:xfrm>
+            <a:off x="0" y="0"/>
+            <a:ext cx="457200" cy="6858000"/>
+          </a:xfrm>
+          <a:prstGeom prst="rect">
+            <a:avLst/>
+          </a:prstGeom>
+          <a:solidFill>
+            <a:schemeClr val="accent1"/>
+          </a:solidFill>
+          <a:ln>
+            <a:noFill/>
+          </a:ln>
+        </p:spPr>
+        <p:style>
+          <a:lnRef idx="2">
+            <a:schemeClr val="accent1">
+              <a:shade val="50000"/>
+            </a:schemeClr>
+          </a:lnRef>
+          <a:fillRef idx="1">
+            <a:schemeClr val="accent1"/>
+          </a:fillRef>
+          <a:effectRef idx="0">
+            <a:schemeClr val="accent1"/>
+          </a:effectRef>
+          <a:fontRef idx="minor">
+            <a:schemeClr val="lt1"/>
+          </a:fontRef>
+        </p:style>
+      </p:sp>
+      <p:sp>
+        <p:nvSpPr>
+          <p:cNvPr id="73" name="Rectangle 72">
+            <a:extLst>
+              <a:ext uri="{FF2B5EF4-FFF2-40B4-BE49-F238E27FC236}">
+                <a16:creationId xmlns:a16="http://schemas.microsoft.com/office/drawing/2014/main" id="{B298ECBA-3258-45DF-8FD4-7581736BCCBC}"/>
+              </a:ext>
+              <a:ext uri="{C183D7F6-B498-43B3-948B-1728B52AA6E4}">
+                <adec:decorative xmlns:adec="http://schemas.microsoft.com/office/drawing/2017/decorative" val="1"/>
+              </a:ext>
+            </a:extLst>
+          </p:cNvPr>
+          <p:cNvSpPr>
+            <a:spLocks noGrp="1" noRot="1" noChangeAspect="1" noMove="1" noResize="1" noEditPoints="1" noAdjustHandles="1" noChangeArrowheads="1" noChangeShapeType="1" noTextEdit="1"/>
+          </p:cNvSpPr>
+          <p:nvPr>
+            <p:extLst>
+              <p:ext uri="{386F3935-93C4-4BCD-93E2-E3B085C9AB24}">
+                <p16:designElem xmlns:p16="http://schemas.microsoft.com/office/powerpoint/2015/main" val="1"/>
+              </p:ext>
+            </p:extLst>
+          </p:nvPr>
+        </p:nvSpPr>
+        <p:spPr>
+          <a:xfrm>
+            <a:off x="0" y="-3244"/>
+            <a:ext cx="457200" cy="6858000"/>
+          </a:xfrm>
+          <a:prstGeom prst="rect">
+            <a:avLst/>
+          </a:prstGeom>
+          <a:solidFill>
+            <a:srgbClr val="6F6F74"/>
+          </a:solidFill>
+          <a:ln>
+            <a:noFill/>
+          </a:ln>
+        </p:spPr>
+        <p:style>
+          <a:lnRef idx="2">
+            <a:schemeClr val="accent1">
+              <a:shade val="50000"/>
+            </a:schemeClr>
+          </a:lnRef>
+          <a:fillRef idx="1">
+            <a:schemeClr val="accent1"/>
+          </a:fillRef>
+          <a:effectRef idx="0">
+            <a:schemeClr val="accent1"/>
+          </a:effectRef>
+          <a:fontRef idx="minor">
+            <a:schemeClr val="lt1"/>
+          </a:fontRef>
+        </p:style>
+        <p:txBody>
+          <a:bodyPr rtlCol="0" anchor="ctr"/>
+          <a:lstStyle/>
+          <a:p>
+            <a:pPr algn="ctr"/>
+            <a:endParaRPr lang="en-US"/>
+          </a:p>
+        </p:txBody>
+      </p:sp>
+      <p:sp>
+        <p:nvSpPr>
+          <p:cNvPr id="75" name="Rectangle 74">
+            <a:extLst>
+              <a:ext uri="{FF2B5EF4-FFF2-40B4-BE49-F238E27FC236}">
+                <a16:creationId xmlns:a16="http://schemas.microsoft.com/office/drawing/2014/main" id="{B62BF453-BD82-4B90-9FE7-51703133806E}"/>
+              </a:ext>
+              <a:ext uri="{C183D7F6-B498-43B3-948B-1728B52AA6E4}">
+                <adec:decorative xmlns:adec="http://schemas.microsoft.com/office/drawing/2017/decorative" val="1"/>
+              </a:ext>
+            </a:extLst>
+          </p:cNvPr>
+          <p:cNvSpPr>
+            <a:spLocks noGrp="1" noRot="1" noChangeAspect="1" noMove="1" noResize="1" noEditPoints="1" noAdjustHandles="1" noChangeArrowheads="1" noChangeShapeType="1" noTextEdit="1"/>
+          </p:cNvSpPr>
+          <p:nvPr>
+            <p:extLst>
+              <p:ext uri="{386F3935-93C4-4BCD-93E2-E3B085C9AB24}">
+                <p16:designElem xmlns:p16="http://schemas.microsoft.com/office/powerpoint/2015/main" val="1"/>
+              </p:ext>
+            </p:extLst>
+          </p:nvPr>
+        </p:nvSpPr>
+        <p:spPr>
+          <a:xfrm>
+            <a:off x="457200" y="0"/>
+            <a:ext cx="10835640" cy="6858000"/>
+          </a:xfrm>
+          <a:prstGeom prst="rect">
+            <a:avLst/>
+          </a:prstGeom>
+          <a:solidFill>
+            <a:srgbClr val="353537"/>
+          </a:solidFill>
+          <a:ln>
+            <a:noFill/>
+          </a:ln>
+        </p:spPr>
+        <p:style>
+          <a:lnRef idx="2">
+            <a:schemeClr val="accent1">
+              <a:shade val="50000"/>
+            </a:schemeClr>
+          </a:lnRef>
+          <a:fillRef idx="1">
+            <a:schemeClr val="accent1"/>
+          </a:fillRef>
+          <a:effectRef idx="0">
+            <a:schemeClr val="accent1"/>
+          </a:effectRef>
+          <a:fontRef idx="minor">
+            <a:schemeClr val="lt1"/>
+          </a:fontRef>
+        </p:style>
+      </p:sp>
+      <p:sp>
+        <p:nvSpPr>
           <p:cNvPr id="2" name="Title 1">
             <a:extLst>
               <a:ext uri="{FF2B5EF4-FFF2-40B4-BE49-F238E27FC236}">
@@ -4200,16 +4613,27 @@
         </p:nvSpPr>
         <p:spPr>
           <a:xfrm>
-            <a:off x="0" y="15082"/>
-            <a:ext cx="9692640" cy="1050238"/>
-          </a:xfrm>
-        </p:spPr>
-        <p:txBody>
-          <a:bodyPr/>
-          <a:lstStyle/>
-          <a:p>
-            <a:r>
-              <a:rPr lang="en-US" dirty="0"/>
+            <a:off x="8318090" y="758952"/>
+            <a:ext cx="2802194" cy="4041648"/>
+          </a:xfrm>
+        </p:spPr>
+        <p:txBody>
+          <a:bodyPr vert="horz" lIns="91440" tIns="45720" rIns="91440" bIns="45720" rtlCol="0" anchor="b">
+            <a:normAutofit/>
+          </a:bodyPr>
+          <a:lstStyle/>
+          <a:p>
+            <a:pPr>
+              <a:lnSpc>
+                <a:spcPct val="85000"/>
+              </a:lnSpc>
+            </a:pPr>
+            <a:r>
+              <a:rPr lang="en-US">
+                <a:solidFill>
+                  <a:srgbClr val="FFFFFF"/>
+                </a:solidFill>
+              </a:rPr>
               <a:t>Parsing and Cleaning Data</a:t>
             </a:r>
           </a:p>
@@ -4231,11 +4655,197 @@
             <p:ph idx="1"/>
           </p:nvPr>
         </p:nvSpPr>
-        <p:spPr/>
-        <p:txBody>
-          <a:bodyPr/>
-          <a:lstStyle/>
-          <a:p>
+        <p:spPr>
+          <a:xfrm>
+            <a:off x="8318089" y="4800600"/>
+            <a:ext cx="2802195" cy="1691640"/>
+          </a:xfrm>
+        </p:spPr>
+        <p:txBody>
+          <a:bodyPr vert="horz" lIns="91440" tIns="45720" rIns="91440" bIns="45720" rtlCol="0">
+            <a:normAutofit/>
+          </a:bodyPr>
+          <a:lstStyle/>
+          <a:p>
+            <a:pPr marL="0" indent="0">
+              <a:buNone/>
+            </a:pPr>
+            <a:r>
+              <a:rPr lang="en-US">
+                <a:solidFill>
+                  <a:srgbClr val="D9D9D9"/>
+                </a:solidFill>
+              </a:rPr>
+              <a:t>*See Jupyter Notebook</a:t>
+            </a:r>
+          </a:p>
+        </p:txBody>
+      </p:sp>
+      <p:sp useBgFill="1">
+        <p:nvSpPr>
+          <p:cNvPr id="77" name="Rectangle 76">
+            <a:extLst>
+              <a:ext uri="{FF2B5EF4-FFF2-40B4-BE49-F238E27FC236}">
+                <a16:creationId xmlns:a16="http://schemas.microsoft.com/office/drawing/2014/main" id="{072366D3-9B5C-42E1-9906-77FF6BB55EAB}"/>
+              </a:ext>
+              <a:ext uri="{C183D7F6-B498-43B3-948B-1728B52AA6E4}">
+                <adec:decorative xmlns:adec="http://schemas.microsoft.com/office/drawing/2017/decorative" val="1"/>
+              </a:ext>
+            </a:extLst>
+          </p:cNvPr>
+          <p:cNvSpPr>
+            <a:spLocks noGrp="1" noRot="1" noChangeAspect="1" noMove="1" noResize="1" noEditPoints="1" noAdjustHandles="1" noChangeArrowheads="1" noChangeShapeType="1" noTextEdit="1"/>
+          </p:cNvSpPr>
+          <p:nvPr>
+            <p:extLst>
+              <p:ext uri="{386F3935-93C4-4BCD-93E2-E3B085C9AB24}">
+                <p16:designElem xmlns:p16="http://schemas.microsoft.com/office/powerpoint/2015/main" val="1"/>
+              </p:ext>
+            </p:extLst>
+          </p:nvPr>
+        </p:nvSpPr>
+        <p:spPr>
+          <a:xfrm>
+            <a:off x="452283" y="0"/>
+            <a:ext cx="7561007" cy="6858000"/>
+          </a:xfrm>
+          <a:prstGeom prst="rect">
+            <a:avLst/>
+          </a:prstGeom>
+          <a:ln>
+            <a:noFill/>
+          </a:ln>
+        </p:spPr>
+        <p:style>
+          <a:lnRef idx="2">
+            <a:schemeClr val="accent1">
+              <a:shade val="50000"/>
+            </a:schemeClr>
+          </a:lnRef>
+          <a:fillRef idx="1">
+            <a:schemeClr val="accent1"/>
+          </a:fillRef>
+          <a:effectRef idx="0">
+            <a:schemeClr val="accent1"/>
+          </a:effectRef>
+          <a:fontRef idx="minor">
+            <a:schemeClr val="lt1"/>
+          </a:fontRef>
+        </p:style>
+        <p:txBody>
+          <a:bodyPr rtlCol="0" anchor="ctr"/>
+          <a:lstStyle/>
+          <a:p>
+            <a:pPr algn="ctr"/>
+            <a:endParaRPr lang="en-US"/>
+          </a:p>
+        </p:txBody>
+      </p:sp>
+      <p:pic>
+        <p:nvPicPr>
+          <p:cNvPr id="3074" name="Picture 2" descr="Image result for coder">
+            <a:extLst>
+              <a:ext uri="{FF2B5EF4-FFF2-40B4-BE49-F238E27FC236}">
+                <a16:creationId xmlns:a16="http://schemas.microsoft.com/office/drawing/2014/main" id="{994C1E45-2F4C-4D83-AF77-4C250C07B137}"/>
+              </a:ext>
+            </a:extLst>
+          </p:cNvPr>
+          <p:cNvPicPr>
+            <a:picLocks noChangeAspect="1" noChangeArrowheads="1"/>
+          </p:cNvPicPr>
+          <p:nvPr/>
+        </p:nvPicPr>
+        <p:blipFill>
+          <a:blip r:embed="rId2">
+            <a:extLst>
+              <a:ext uri="{28A0092B-C50C-407E-A947-70E740481C1C}">
+                <a14:useLocalDpi xmlns:a14="http://schemas.microsoft.com/office/drawing/2010/main" val="0"/>
+              </a:ext>
+            </a:extLst>
+          </a:blip>
+          <a:stretch>
+            <a:fillRect/>
+          </a:stretch>
+        </p:blipFill>
+        <p:spPr bwMode="auto">
+          <a:xfrm>
+            <a:off x="924375" y="679775"/>
+            <a:ext cx="6616823" cy="5491961"/>
+          </a:xfrm>
+          <a:prstGeom prst="rect">
+            <a:avLst/>
+          </a:prstGeom>
+          <a:noFill/>
+          <a:extLst>
+            <a:ext uri="{909E8E84-426E-40DD-AFC4-6F175D3DCCD1}">
+              <a14:hiddenFill xmlns:a14="http://schemas.microsoft.com/office/drawing/2010/main">
+                <a:solidFill>
+                  <a:srgbClr val="FFFFFF"/>
+                </a:solidFill>
+              </a14:hiddenFill>
+            </a:ext>
+          </a:extLst>
+        </p:spPr>
+      </p:pic>
+      <p:sp>
+        <p:nvSpPr>
+          <p:cNvPr id="79" name="Rectangle 78">
+            <a:extLst>
+              <a:ext uri="{FF2B5EF4-FFF2-40B4-BE49-F238E27FC236}">
+                <a16:creationId xmlns:a16="http://schemas.microsoft.com/office/drawing/2014/main" id="{121F5E60-4E89-4B16-A245-12BD9935998D}"/>
+              </a:ext>
+              <a:ext uri="{C183D7F6-B498-43B3-948B-1728B52AA6E4}">
+                <adec:decorative xmlns:adec="http://schemas.microsoft.com/office/drawing/2017/decorative" val="1"/>
+              </a:ext>
+            </a:extLst>
+          </p:cNvPr>
+          <p:cNvSpPr>
+            <a:spLocks noGrp="1" noRot="1" noChangeAspect="1" noMove="1" noResize="1" noEditPoints="1" noAdjustHandles="1" noChangeArrowheads="1" noChangeShapeType="1" noTextEdit="1"/>
+          </p:cNvSpPr>
+          <p:nvPr>
+            <p:extLst>
+              <p:ext uri="{386F3935-93C4-4BCD-93E2-E3B085C9AB24}">
+                <p16:designElem xmlns:p16="http://schemas.microsoft.com/office/powerpoint/2015/main" val="1"/>
+              </p:ext>
+            </p:extLst>
+          </p:nvPr>
+        </p:nvSpPr>
+        <p:spPr>
+          <a:xfrm>
+            <a:off x="11292840" y="0"/>
+            <a:ext cx="899160" cy="6858000"/>
+          </a:xfrm>
+          <a:prstGeom prst="rect">
+            <a:avLst/>
+          </a:prstGeom>
+          <a:solidFill>
+            <a:srgbClr val="353537"/>
+          </a:solidFill>
+          <a:ln>
+            <a:noFill/>
+          </a:ln>
+        </p:spPr>
+        <p:style>
+          <a:lnRef idx="2">
+            <a:schemeClr val="accent1">
+              <a:shade val="50000"/>
+            </a:schemeClr>
+          </a:lnRef>
+          <a:fillRef idx="1">
+            <a:schemeClr val="accent1"/>
+          </a:fillRef>
+          <a:effectRef idx="0">
+            <a:schemeClr val="accent1"/>
+          </a:effectRef>
+          <a:fontRef idx="minor">
+            <a:schemeClr val="lt1"/>
+          </a:fontRef>
+        </p:style>
+        <p:txBody>
+          <a:bodyPr rtlCol="0" anchor="ctr"/>
+          <a:lstStyle/>
+          <a:p>
+            <a:pPr algn="ctr"/>
             <a:endParaRPr lang="en-US"/>
           </a:p>
         </p:txBody>
@@ -5171,8 +5781,8 @@
         </p:nvSpPr>
         <p:spPr>
           <a:xfrm>
-            <a:off x="638175" y="-66675"/>
-            <a:ext cx="2400300" cy="934829"/>
+            <a:off x="0" y="15082"/>
+            <a:ext cx="9692640" cy="934829"/>
           </a:xfrm>
         </p:spPr>
         <p:txBody>
@@ -5188,19 +5798,17 @@
       </p:sp>
       <p:pic>
         <p:nvPicPr>
-          <p:cNvPr id="7" name="Content Placeholder 6" descr="A close up of text on a white background&#10;&#10;Description automatically generated">
+          <p:cNvPr id="5" name="Picture 4" descr="A screenshot of a cell phone&#10;&#10;Description automatically generated">
             <a:extLst>
               <a:ext uri="{FF2B5EF4-FFF2-40B4-BE49-F238E27FC236}">
-                <a16:creationId xmlns:a16="http://schemas.microsoft.com/office/drawing/2014/main" id="{C43CB727-DF63-46F6-A21D-600FEE303C8F}"/>
+                <a16:creationId xmlns:a16="http://schemas.microsoft.com/office/drawing/2014/main" id="{FF5F10ED-7755-455E-A7EB-BB2538D6568E}"/>
               </a:ext>
             </a:extLst>
           </p:cNvPr>
           <p:cNvPicPr>
-            <a:picLocks noGrp="1" noChangeAspect="1"/>
+            <a:picLocks noChangeAspect="1"/>
           </p:cNvPicPr>
-          <p:nvPr>
-            <p:ph idx="1"/>
-          </p:nvPr>
+          <p:nvPr/>
         </p:nvPicPr>
         <p:blipFill>
           <a:blip r:embed="rId2">
@@ -5216,59 +5824,54 @@
         </p:blipFill>
         <p:spPr>
           <a:xfrm>
-            <a:off x="4257675" y="190103"/>
-            <a:ext cx="6477794" cy="6477794"/>
-          </a:xfrm>
-        </p:spPr>
-      </p:pic>
-      <p:sp>
-        <p:nvSpPr>
-          <p:cNvPr id="8" name="TextBox 7">
-            <a:extLst>
-              <a:ext uri="{FF2B5EF4-FFF2-40B4-BE49-F238E27FC236}">
-                <a16:creationId xmlns:a16="http://schemas.microsoft.com/office/drawing/2014/main" id="{F6A6CC84-A36F-463C-8CCB-166469514C51}"/>
-              </a:ext>
-            </a:extLst>
-          </p:cNvPr>
-          <p:cNvSpPr txBox="1"/>
-          <p:nvPr/>
-        </p:nvSpPr>
-        <p:spPr>
-          <a:xfrm>
-            <a:off x="350196" y="1517514"/>
-            <a:ext cx="3686783" cy="3139321"/>
+            <a:off x="6083030" y="1366319"/>
+            <a:ext cx="5487650" cy="3658433"/>
           </a:xfrm>
           <a:prstGeom prst="rect">
             <a:avLst/>
           </a:prstGeom>
-          <a:noFill/>
-        </p:spPr>
-        <p:txBody>
-          <a:bodyPr wrap="square" rtlCol="0">
-            <a:spAutoFit/>
-          </a:bodyPr>
-          <a:lstStyle/>
-          <a:p>
-            <a:r>
-              <a:rPr lang="en-US" dirty="0"/>
-              <a:t>There are no overwhelmingly strong correlations observed. The strongest with a 0.6 correlation coefficient is STEM Jobs and Average Income. </a:t>
-            </a:r>
-          </a:p>
-          <a:p>
-            <a:endParaRPr lang="en-US" dirty="0"/>
-          </a:p>
-          <a:p>
-            <a:r>
-              <a:rPr lang="en-US" dirty="0"/>
-              <a:t>Interestingly pill quantity correlates positively with STEM jobs per capita and negatively with Construction jobs per capita.</a:t>
-            </a:r>
-          </a:p>
-        </p:txBody>
-      </p:sp>
+        </p:spPr>
+      </p:pic>
+      <p:pic>
+        <p:nvPicPr>
+          <p:cNvPr id="8" name="Picture 7" descr="A screenshot of a cell phone&#10;&#10;Description automatically generated">
+            <a:extLst>
+              <a:ext uri="{FF2B5EF4-FFF2-40B4-BE49-F238E27FC236}">
+                <a16:creationId xmlns:a16="http://schemas.microsoft.com/office/drawing/2014/main" id="{2FAD190F-C33D-401F-AE88-A56288273955}"/>
+              </a:ext>
+            </a:extLst>
+          </p:cNvPr>
+          <p:cNvPicPr>
+            <a:picLocks noChangeAspect="1"/>
+          </p:cNvPicPr>
+          <p:nvPr/>
+        </p:nvPicPr>
+        <p:blipFill>
+          <a:blip r:embed="rId3">
+            <a:extLst>
+              <a:ext uri="{28A0092B-C50C-407E-A947-70E740481C1C}">
+                <a14:useLocalDpi xmlns:a14="http://schemas.microsoft.com/office/drawing/2010/main" val="0"/>
+              </a:ext>
+            </a:extLst>
+          </a:blip>
+          <a:stretch>
+            <a:fillRect/>
+          </a:stretch>
+        </p:blipFill>
+        <p:spPr>
+          <a:xfrm>
+            <a:off x="243192" y="1366318"/>
+            <a:ext cx="5487650" cy="3658433"/>
+          </a:xfrm>
+          <a:prstGeom prst="rect">
+            <a:avLst/>
+          </a:prstGeom>
+        </p:spPr>
+      </p:pic>
     </p:spTree>
     <p:extLst>
       <p:ext uri="{BB962C8B-B14F-4D97-AF65-F5344CB8AC3E}">
-        <p14:creationId xmlns:p14="http://schemas.microsoft.com/office/powerpoint/2010/main" val="2874377814"/>
+        <p14:creationId xmlns:p14="http://schemas.microsoft.com/office/powerpoint/2010/main" val="1225465981"/>
       </p:ext>
     </p:extLst>
   </p:cSld>
@@ -5300,7 +5903,7 @@
           <p:cNvPr id="2" name="Title 1">
             <a:extLst>
               <a:ext uri="{FF2B5EF4-FFF2-40B4-BE49-F238E27FC236}">
-                <a16:creationId xmlns:a16="http://schemas.microsoft.com/office/drawing/2014/main" id="{381FF4EF-C211-4897-BCAA-3B6AD0981F1A}"/>
+                <a16:creationId xmlns:a16="http://schemas.microsoft.com/office/drawing/2014/main" id="{4FB99FCE-194F-43B9-9775-7D2EC1E961EB}"/>
               </a:ext>
             </a:extLst>
           </p:cNvPr>
@@ -5313,8 +5916,8 @@
         </p:nvSpPr>
         <p:spPr>
           <a:xfrm>
-            <a:off x="0" y="15082"/>
-            <a:ext cx="9692640" cy="792786"/>
+            <a:off x="638175" y="-66675"/>
+            <a:ext cx="2400300" cy="934829"/>
           </a:xfrm>
         </p:spPr>
         <p:txBody>
@@ -5323,46 +5926,86 @@
           <a:p>
             <a:r>
               <a:rPr lang="en-US" dirty="0"/>
-              <a:t>Challenges</a:t>
-            </a:r>
-          </a:p>
-        </p:txBody>
-      </p:sp>
-      <p:sp>
-        <p:nvSpPr>
-          <p:cNvPr id="3" name="Content Placeholder 2">
+              <a:t>Analysis</a:t>
+            </a:r>
+          </a:p>
+        </p:txBody>
+      </p:sp>
+      <p:pic>
+        <p:nvPicPr>
+          <p:cNvPr id="7" name="Content Placeholder 6" descr="A close up of text on a white background&#10;&#10;Description automatically generated">
             <a:extLst>
               <a:ext uri="{FF2B5EF4-FFF2-40B4-BE49-F238E27FC236}">
-                <a16:creationId xmlns:a16="http://schemas.microsoft.com/office/drawing/2014/main" id="{3BEBF5DC-D972-4EB0-80BD-B2284D6B8EDE}"/>
+                <a16:creationId xmlns:a16="http://schemas.microsoft.com/office/drawing/2014/main" id="{C43CB727-DF63-46F6-A21D-600FEE303C8F}"/>
               </a:ext>
             </a:extLst>
           </p:cNvPr>
-          <p:cNvSpPr>
-            <a:spLocks noGrp="1"/>
-          </p:cNvSpPr>
+          <p:cNvPicPr>
+            <a:picLocks noGrp="1" noChangeAspect="1"/>
+          </p:cNvPicPr>
           <p:nvPr>
             <p:ph idx="1"/>
           </p:nvPr>
-        </p:nvSpPr>
-        <p:spPr>
-          <a:xfrm>
-            <a:off x="480637" y="1036014"/>
-            <a:ext cx="8595360" cy="4351337"/>
-          </a:xfrm>
-        </p:spPr>
-        <p:txBody>
-          <a:bodyPr/>
+        </p:nvPicPr>
+        <p:blipFill>
+          <a:blip r:embed="rId2">
+            <a:extLst>
+              <a:ext uri="{28A0092B-C50C-407E-A947-70E740481C1C}">
+                <a14:useLocalDpi xmlns:a14="http://schemas.microsoft.com/office/drawing/2010/main" val="0"/>
+              </a:ext>
+            </a:extLst>
+          </a:blip>
+          <a:stretch>
+            <a:fillRect/>
+          </a:stretch>
+        </p:blipFill>
+        <p:spPr>
+          <a:xfrm>
+            <a:off x="4257675" y="190103"/>
+            <a:ext cx="6477794" cy="6477794"/>
+          </a:xfrm>
+        </p:spPr>
+      </p:pic>
+      <p:sp>
+        <p:nvSpPr>
+          <p:cNvPr id="8" name="TextBox 7">
+            <a:extLst>
+              <a:ext uri="{FF2B5EF4-FFF2-40B4-BE49-F238E27FC236}">
+                <a16:creationId xmlns:a16="http://schemas.microsoft.com/office/drawing/2014/main" id="{F6A6CC84-A36F-463C-8CCB-166469514C51}"/>
+              </a:ext>
+            </a:extLst>
+          </p:cNvPr>
+          <p:cNvSpPr txBox="1"/>
+          <p:nvPr/>
+        </p:nvSpPr>
+        <p:spPr>
+          <a:xfrm>
+            <a:off x="350196" y="1517514"/>
+            <a:ext cx="3686783" cy="3139321"/>
+          </a:xfrm>
+          <a:prstGeom prst="rect">
+            <a:avLst/>
+          </a:prstGeom>
+          <a:noFill/>
+        </p:spPr>
+        <p:txBody>
+          <a:bodyPr wrap="square" rtlCol="0">
+            <a:spAutoFit/>
+          </a:bodyPr>
           <a:lstStyle/>
           <a:p>
             <a:r>
               <a:rPr lang="en-US" dirty="0"/>
-              <a:t>80GB DEA database was too large to handle normally and had to be broken down into multiple smaller files and then parsed into state level files to be useable in Pandas</a:t>
-            </a:r>
+              <a:t>There are no overwhelmingly strong correlations observed. The strongest with a 0.6 correlation coefficient is STEM Jobs and Average Income. </a:t>
+            </a:r>
+          </a:p>
+          <a:p>
+            <a:endParaRPr lang="en-US" dirty="0"/>
           </a:p>
           <a:p>
             <a:r>
               <a:rPr lang="en-US" dirty="0"/>
-              <a:t>The DEA database had very poor documentation</a:t>
+              <a:t>Interestingly pill quantity correlates positively with STEM jobs per capita and negatively with Construction jobs per capita.</a:t>
             </a:r>
           </a:p>
         </p:txBody>
@@ -5370,7 +6013,7 @@
     </p:spTree>
     <p:extLst>
       <p:ext uri="{BB962C8B-B14F-4D97-AF65-F5344CB8AC3E}">
-        <p14:creationId xmlns:p14="http://schemas.microsoft.com/office/powerpoint/2010/main" val="1174602563"/>
+        <p14:creationId xmlns:p14="http://schemas.microsoft.com/office/powerpoint/2010/main" val="2874377814"/>
       </p:ext>
     </p:extLst>
   </p:cSld>

--- a/Digging into the DEA.pptx
+++ b/Digging into the DEA.pptx
@@ -11,8 +11,8 @@
     <p:sldId id="258" r:id="rId5"/>
     <p:sldId id="260" r:id="rId6"/>
     <p:sldId id="266" r:id="rId7"/>
-    <p:sldId id="267" r:id="rId8"/>
-    <p:sldId id="268" r:id="rId9"/>
+    <p:sldId id="268" r:id="rId8"/>
+    <p:sldId id="267" r:id="rId9"/>
     <p:sldId id="263" r:id="rId10"/>
     <p:sldId id="262" r:id="rId11"/>
     <p:sldId id="261" r:id="rId12"/>
@@ -3940,6 +3940,14 @@
 <file path=ppt/slides/slide11.xml><?xml version="1.0" encoding="utf-8"?>
 <p:sld xmlns:a="http://schemas.openxmlformats.org/drawingml/2006/main" xmlns:r="http://schemas.openxmlformats.org/officeDocument/2006/relationships" xmlns:p="http://schemas.openxmlformats.org/presentationml/2006/main">
   <p:cSld>
+    <p:bg>
+      <p:bgPr>
+        <a:solidFill>
+          <a:schemeClr val="bg1"/>
+        </a:solidFill>
+        <a:effectLst/>
+      </p:bgPr>
+    </p:bg>
     <p:spTree>
       <p:nvGrpSpPr>
         <p:cNvPr id="1" name=""/>
@@ -3972,21 +3980,68 @@
         </p:nvSpPr>
         <p:spPr>
           <a:xfrm>
-            <a:off x="0" y="15082"/>
-            <a:ext cx="9692640" cy="925951"/>
-          </a:xfrm>
-        </p:spPr>
-        <p:txBody>
-          <a:bodyPr/>
-          <a:lstStyle/>
-          <a:p>
-            <a:r>
-              <a:rPr lang="en-US" dirty="0"/>
+            <a:off x="0" y="0"/>
+            <a:ext cx="8746332" cy="797668"/>
+          </a:xfrm>
+        </p:spPr>
+        <p:txBody>
+          <a:bodyPr>
+            <a:normAutofit/>
+          </a:bodyPr>
+          <a:lstStyle/>
+          <a:p>
+            <a:r>
+              <a:rPr lang="en-US" sz="4000" dirty="0"/>
               <a:t>Conclusions and Further Work</a:t>
             </a:r>
           </a:p>
         </p:txBody>
       </p:sp>
+      <p:pic>
+        <p:nvPicPr>
+          <p:cNvPr id="5122" name="Picture 2" descr="Image result for detective">
+            <a:extLst>
+              <a:ext uri="{FF2B5EF4-FFF2-40B4-BE49-F238E27FC236}">
+                <a16:creationId xmlns:a16="http://schemas.microsoft.com/office/drawing/2014/main" id="{43AD4CA3-667B-44F8-A190-29C4A735722B}"/>
+              </a:ext>
+            </a:extLst>
+          </p:cNvPr>
+          <p:cNvPicPr>
+            <a:picLocks noChangeAspect="1" noChangeArrowheads="1"/>
+          </p:cNvPicPr>
+          <p:nvPr/>
+        </p:nvPicPr>
+        <p:blipFill rotWithShape="1">
+          <a:blip r:embed="rId2">
+            <a:extLst>
+              <a:ext uri="{28A0092B-C50C-407E-A947-70E740481C1C}">
+                <a14:useLocalDpi xmlns:a14="http://schemas.microsoft.com/office/drawing/2010/main" val="0"/>
+              </a:ext>
+            </a:extLst>
+          </a:blip>
+          <a:srcRect l="10428" r="11928"/>
+          <a:stretch/>
+        </p:blipFill>
+        <p:spPr bwMode="auto">
+          <a:xfrm>
+            <a:off x="0" y="1546708"/>
+            <a:ext cx="5849496" cy="5311292"/>
+          </a:xfrm>
+          <a:prstGeom prst="rect">
+            <a:avLst/>
+          </a:prstGeom>
+          <a:noFill/>
+          <a:extLst>
+            <a:ext uri="{909E8E84-426E-40DD-AFC4-6F175D3DCCD1}">
+              <a14:hiddenFill xmlns:a14="http://schemas.microsoft.com/office/drawing/2010/main">
+                <a:solidFill>
+                  <a:srgbClr val="FFFFFF"/>
+                </a:solidFill>
+              </a14:hiddenFill>
+            </a:ext>
+          </a:extLst>
+        </p:spPr>
+      </p:pic>
       <p:sp>
         <p:nvSpPr>
           <p:cNvPr id="3" name="Content Placeholder 2">
@@ -4005,26 +4060,86 @@
         </p:nvSpPr>
         <p:spPr>
           <a:xfrm>
-            <a:off x="664712" y="1184987"/>
-            <a:ext cx="9916202" cy="4351337"/>
-          </a:xfrm>
-        </p:spPr>
-        <p:txBody>
-          <a:bodyPr/>
-          <a:lstStyle/>
-          <a:p>
-            <a:r>
-              <a:rPr lang="en-US" dirty="0"/>
+            <a:off x="6663447" y="982494"/>
+            <a:ext cx="4291064" cy="4682077"/>
+          </a:xfrm>
+        </p:spPr>
+        <p:txBody>
+          <a:bodyPr>
+            <a:normAutofit/>
+          </a:bodyPr>
+          <a:lstStyle/>
+          <a:p>
+            <a:r>
+              <a:rPr lang="en-US" sz="1600" dirty="0"/>
               <a:t>No clear or statistically significant correlations in the observed census data to opiate distribution</a:t>
             </a:r>
           </a:p>
           <a:p>
             <a:r>
-              <a:rPr lang="en-US" dirty="0"/>
+              <a:rPr lang="en-US" sz="1600" dirty="0"/>
               <a:t>Next steps would be to evaluate opiate related overdoses and deaths and work to correlate to distribution numbers and population to try and find where opiates are being appropriately prescribed rather than abused.</a:t>
             </a:r>
           </a:p>
         </p:txBody>
+      </p:sp>
+      <p:sp>
+        <p:nvSpPr>
+          <p:cNvPr id="71" name="Rectangle 70">
+            <a:extLst>
+              <a:ext uri="{FF2B5EF4-FFF2-40B4-BE49-F238E27FC236}">
+                <a16:creationId xmlns:a16="http://schemas.microsoft.com/office/drawing/2014/main" id="{0B67D982-25C5-4CC2-AA64-276BE3B2CA75}"/>
+              </a:ext>
+              <a:ext uri="{C183D7F6-B498-43B3-948B-1728B52AA6E4}">
+                <adec:decorative xmlns:adec="http://schemas.microsoft.com/office/drawing/2017/decorative" val="1"/>
+              </a:ext>
+            </a:extLst>
+          </p:cNvPr>
+          <p:cNvSpPr>
+            <a:spLocks noGrp="1" noRot="1" noChangeAspect="1" noMove="1" noResize="1" noEditPoints="1" noAdjustHandles="1" noChangeArrowheads="1" noChangeShapeType="1" noTextEdit="1"/>
+          </p:cNvSpPr>
+          <p:nvPr>
+            <p:extLst>
+              <p:ext uri="{386F3935-93C4-4BCD-93E2-E3B085C9AB24}">
+                <p16:designElem xmlns:p16="http://schemas.microsoft.com/office/powerpoint/2015/main" val="1"/>
+              </p:ext>
+            </p:extLst>
+          </p:nvPr>
+        </p:nvSpPr>
+        <p:spPr>
+          <a:xfrm>
+            <a:off x="11292840" y="0"/>
+            <a:ext cx="914400" cy="6858000"/>
+          </a:xfrm>
+          <a:prstGeom prst="rect">
+            <a:avLst/>
+          </a:prstGeom>
+          <a:solidFill>
+            <a:schemeClr val="tx2">
+              <a:lumMod val="75000"/>
+              <a:alpha val="90000"/>
+            </a:schemeClr>
+          </a:solidFill>
+          <a:ln>
+            <a:noFill/>
+          </a:ln>
+        </p:spPr>
+        <p:style>
+          <a:lnRef idx="2">
+            <a:schemeClr val="accent1">
+              <a:shade val="50000"/>
+            </a:schemeClr>
+          </a:lnRef>
+          <a:fillRef idx="1">
+            <a:schemeClr val="accent1"/>
+          </a:fillRef>
+          <a:effectRef idx="0">
+            <a:schemeClr val="accent1"/>
+          </a:effectRef>
+          <a:fontRef idx="minor">
+            <a:schemeClr val="lt1"/>
+          </a:fontRef>
+        </p:style>
       </p:sp>
     </p:spTree>
     <p:extLst>
@@ -4384,6 +4499,53 @@
           </a:p>
         </p:txBody>
       </p:sp>
+      <p:pic>
+        <p:nvPicPr>
+          <p:cNvPr id="4098" name="Picture 2" descr="Image result for data source">
+            <a:extLst>
+              <a:ext uri="{FF2B5EF4-FFF2-40B4-BE49-F238E27FC236}">
+                <a16:creationId xmlns:a16="http://schemas.microsoft.com/office/drawing/2014/main" id="{A6ABFCBD-C5A4-4187-BC77-2B03959766A4}"/>
+              </a:ext>
+            </a:extLst>
+          </p:cNvPr>
+          <p:cNvPicPr>
+            <a:picLocks noChangeAspect="1" noChangeArrowheads="1"/>
+          </p:cNvPicPr>
+          <p:nvPr/>
+        </p:nvPicPr>
+        <p:blipFill>
+          <a:blip r:embed="rId4">
+            <a:extLst>
+              <a:ext uri="{28A0092B-C50C-407E-A947-70E740481C1C}">
+                <a14:useLocalDpi xmlns:a14="http://schemas.microsoft.com/office/drawing/2010/main" val="0"/>
+              </a:ext>
+            </a:extLst>
+          </a:blip>
+          <a:srcRect/>
+          <a:stretch>
+            <a:fillRect/>
+          </a:stretch>
+        </p:blipFill>
+        <p:spPr bwMode="auto">
+          <a:xfrm>
+            <a:off x="7147443" y="3340208"/>
+            <a:ext cx="3028950" cy="2990850"/>
+          </a:xfrm>
+          <a:prstGeom prst="rect">
+            <a:avLst/>
+          </a:prstGeom>
+          <a:noFill/>
+          <a:extLst>
+            <a:ext uri="{909E8E84-426E-40DD-AFC4-6F175D3DCCD1}">
+              <a14:hiddenFill xmlns:a14="http://schemas.microsoft.com/office/drawing/2010/main">
+                <a:solidFill>
+                  <a:srgbClr val="FFFFFF"/>
+                </a:solidFill>
+              </a14:hiddenFill>
+            </a:ext>
+          </a:extLst>
+        </p:spPr>
+      </p:pic>
     </p:spTree>
     <p:extLst>
       <p:ext uri="{BB962C8B-B14F-4D97-AF65-F5344CB8AC3E}">
@@ -5591,82 +5753,12 @@
           </a:p>
         </p:txBody>
       </p:sp>
-      <p:sp>
-        <p:nvSpPr>
-          <p:cNvPr id="16" name="TextBox 15">
-            <a:extLst>
-              <a:ext uri="{FF2B5EF4-FFF2-40B4-BE49-F238E27FC236}">
-                <a16:creationId xmlns:a16="http://schemas.microsoft.com/office/drawing/2014/main" id="{810B034D-B8A7-453B-9EFF-50CBCE48FC9E}"/>
-              </a:ext>
-            </a:extLst>
-          </p:cNvPr>
-          <p:cNvSpPr txBox="1"/>
-          <p:nvPr/>
-        </p:nvSpPr>
-        <p:spPr>
-          <a:xfrm>
-            <a:off x="1166498" y="1473855"/>
-            <a:ext cx="3305175" cy="369332"/>
-          </a:xfrm>
-          <a:prstGeom prst="rect">
-            <a:avLst/>
-          </a:prstGeom>
-          <a:noFill/>
-        </p:spPr>
-        <p:txBody>
-          <a:bodyPr wrap="square" rtlCol="0">
-            <a:spAutoFit/>
-          </a:bodyPr>
-          <a:lstStyle/>
-          <a:p>
-            <a:r>
-              <a:rPr lang="en-US" dirty="0"/>
-              <a:t>STEM Jobs vs Pill Quantity</a:t>
-            </a:r>
-          </a:p>
-        </p:txBody>
-      </p:sp>
-      <p:sp>
-        <p:nvSpPr>
-          <p:cNvPr id="17" name="TextBox 16">
-            <a:extLst>
-              <a:ext uri="{FF2B5EF4-FFF2-40B4-BE49-F238E27FC236}">
-                <a16:creationId xmlns:a16="http://schemas.microsoft.com/office/drawing/2014/main" id="{D45C3EE8-7CCF-4976-BB7B-1D9DDDE5141B}"/>
-              </a:ext>
-            </a:extLst>
-          </p:cNvPr>
-          <p:cNvSpPr txBox="1"/>
-          <p:nvPr/>
-        </p:nvSpPr>
-        <p:spPr>
-          <a:xfrm>
-            <a:off x="6380091" y="1424466"/>
-            <a:ext cx="4298468" cy="369332"/>
-          </a:xfrm>
-          <a:prstGeom prst="rect">
-            <a:avLst/>
-          </a:prstGeom>
-          <a:noFill/>
-        </p:spPr>
-        <p:txBody>
-          <a:bodyPr wrap="square" rtlCol="0">
-            <a:spAutoFit/>
-          </a:bodyPr>
-          <a:lstStyle/>
-          <a:p>
-            <a:r>
-              <a:rPr lang="en-US" dirty="0"/>
-              <a:t>Construction Jobs vs. Pill Quantity</a:t>
-            </a:r>
-          </a:p>
-        </p:txBody>
-      </p:sp>
       <p:pic>
         <p:nvPicPr>
-          <p:cNvPr id="4" name="Picture 3" descr="A close up of a map&#10;&#10;Description automatically generated">
+          <p:cNvPr id="5" name="Picture 4" descr="A screenshot of a cell phone&#10;&#10;Description automatically generated">
             <a:extLst>
               <a:ext uri="{FF2B5EF4-FFF2-40B4-BE49-F238E27FC236}">
-                <a16:creationId xmlns:a16="http://schemas.microsoft.com/office/drawing/2014/main" id="{E3CDBC23-9506-424A-8608-B138D9FFCEA9}"/>
+                <a16:creationId xmlns:a16="http://schemas.microsoft.com/office/drawing/2014/main" id="{FF5F10ED-7755-455E-A7EB-BB2538D6568E}"/>
               </a:ext>
             </a:extLst>
           </p:cNvPr>
@@ -5689,8 +5781,8 @@
         </p:blipFill>
         <p:spPr>
           <a:xfrm>
-            <a:off x="5890102" y="1260609"/>
-            <a:ext cx="5487650" cy="3658433"/>
+            <a:off x="5887087" y="1567543"/>
+            <a:ext cx="5283785" cy="3522523"/>
           </a:xfrm>
           <a:prstGeom prst="rect">
             <a:avLst/>
@@ -5699,10 +5791,10 @@
       </p:pic>
       <p:pic>
         <p:nvPicPr>
-          <p:cNvPr id="7" name="Picture 6" descr="A screenshot of a cell phone&#10;&#10;Description automatically generated">
+          <p:cNvPr id="8" name="Picture 7" descr="A screenshot of a cell phone&#10;&#10;Description automatically generated">
             <a:extLst>
               <a:ext uri="{FF2B5EF4-FFF2-40B4-BE49-F238E27FC236}">
-                <a16:creationId xmlns:a16="http://schemas.microsoft.com/office/drawing/2014/main" id="{A3608074-66C1-4E5C-83F7-F9D637AAF7D3}"/>
+                <a16:creationId xmlns:a16="http://schemas.microsoft.com/office/drawing/2014/main" id="{2FAD190F-C33D-401F-AE88-A56288273955}"/>
               </a:ext>
             </a:extLst>
           </p:cNvPr>
@@ -5725,8 +5817,8 @@
         </p:blipFill>
         <p:spPr>
           <a:xfrm>
-            <a:off x="161106" y="1260609"/>
-            <a:ext cx="5487650" cy="3658433"/>
+            <a:off x="243192" y="1567543"/>
+            <a:ext cx="5185812" cy="3457208"/>
           </a:xfrm>
           <a:prstGeom prst="rect">
             <a:avLst/>
@@ -5736,7 +5828,7 @@
     </p:spTree>
     <p:extLst>
       <p:ext uri="{BB962C8B-B14F-4D97-AF65-F5344CB8AC3E}">
-        <p14:creationId xmlns:p14="http://schemas.microsoft.com/office/powerpoint/2010/main" val="2645610964"/>
+        <p14:creationId xmlns:p14="http://schemas.microsoft.com/office/powerpoint/2010/main" val="1225465981"/>
       </p:ext>
     </p:extLst>
   </p:cSld>
@@ -5796,12 +5888,82 @@
           </a:p>
         </p:txBody>
       </p:sp>
+      <p:sp>
+        <p:nvSpPr>
+          <p:cNvPr id="16" name="TextBox 15">
+            <a:extLst>
+              <a:ext uri="{FF2B5EF4-FFF2-40B4-BE49-F238E27FC236}">
+                <a16:creationId xmlns:a16="http://schemas.microsoft.com/office/drawing/2014/main" id="{810B034D-B8A7-453B-9EFF-50CBCE48FC9E}"/>
+              </a:ext>
+            </a:extLst>
+          </p:cNvPr>
+          <p:cNvSpPr txBox="1"/>
+          <p:nvPr/>
+        </p:nvSpPr>
+        <p:spPr>
+          <a:xfrm>
+            <a:off x="1166498" y="1473855"/>
+            <a:ext cx="3305175" cy="369332"/>
+          </a:xfrm>
+          <a:prstGeom prst="rect">
+            <a:avLst/>
+          </a:prstGeom>
+          <a:noFill/>
+        </p:spPr>
+        <p:txBody>
+          <a:bodyPr wrap="square" rtlCol="0">
+            <a:spAutoFit/>
+          </a:bodyPr>
+          <a:lstStyle/>
+          <a:p>
+            <a:r>
+              <a:rPr lang="en-US" dirty="0"/>
+              <a:t>STEM Jobs vs Pill Quantity</a:t>
+            </a:r>
+          </a:p>
+        </p:txBody>
+      </p:sp>
+      <p:sp>
+        <p:nvSpPr>
+          <p:cNvPr id="17" name="TextBox 16">
+            <a:extLst>
+              <a:ext uri="{FF2B5EF4-FFF2-40B4-BE49-F238E27FC236}">
+                <a16:creationId xmlns:a16="http://schemas.microsoft.com/office/drawing/2014/main" id="{D45C3EE8-7CCF-4976-BB7B-1D9DDDE5141B}"/>
+              </a:ext>
+            </a:extLst>
+          </p:cNvPr>
+          <p:cNvSpPr txBox="1"/>
+          <p:nvPr/>
+        </p:nvSpPr>
+        <p:spPr>
+          <a:xfrm>
+            <a:off x="6380091" y="1424466"/>
+            <a:ext cx="4298468" cy="369332"/>
+          </a:xfrm>
+          <a:prstGeom prst="rect">
+            <a:avLst/>
+          </a:prstGeom>
+          <a:noFill/>
+        </p:spPr>
+        <p:txBody>
+          <a:bodyPr wrap="square" rtlCol="0">
+            <a:spAutoFit/>
+          </a:bodyPr>
+          <a:lstStyle/>
+          <a:p>
+            <a:r>
+              <a:rPr lang="en-US" dirty="0"/>
+              <a:t>Construction Jobs vs. Pill Quantity</a:t>
+            </a:r>
+          </a:p>
+        </p:txBody>
+      </p:sp>
       <p:pic>
         <p:nvPicPr>
-          <p:cNvPr id="5" name="Picture 4" descr="A screenshot of a cell phone&#10;&#10;Description automatically generated">
+          <p:cNvPr id="4" name="Picture 3" descr="A close up of a map&#10;&#10;Description automatically generated">
             <a:extLst>
               <a:ext uri="{FF2B5EF4-FFF2-40B4-BE49-F238E27FC236}">
-                <a16:creationId xmlns:a16="http://schemas.microsoft.com/office/drawing/2014/main" id="{FF5F10ED-7755-455E-A7EB-BB2538D6568E}"/>
+                <a16:creationId xmlns:a16="http://schemas.microsoft.com/office/drawing/2014/main" id="{E3CDBC23-9506-424A-8608-B138D9FFCEA9}"/>
               </a:ext>
             </a:extLst>
           </p:cNvPr>
@@ -5824,8 +5986,8 @@
         </p:blipFill>
         <p:spPr>
           <a:xfrm>
-            <a:off x="6083030" y="1366319"/>
-            <a:ext cx="5487650" cy="3658433"/>
+            <a:off x="5890102" y="1495442"/>
+            <a:ext cx="5135400" cy="3423600"/>
           </a:xfrm>
           <a:prstGeom prst="rect">
             <a:avLst/>
@@ -5834,10 +5996,10 @@
       </p:pic>
       <p:pic>
         <p:nvPicPr>
-          <p:cNvPr id="8" name="Picture 7" descr="A screenshot of a cell phone&#10;&#10;Description automatically generated">
+          <p:cNvPr id="7" name="Picture 6" descr="A screenshot of a cell phone&#10;&#10;Description automatically generated">
             <a:extLst>
               <a:ext uri="{FF2B5EF4-FFF2-40B4-BE49-F238E27FC236}">
-                <a16:creationId xmlns:a16="http://schemas.microsoft.com/office/drawing/2014/main" id="{2FAD190F-C33D-401F-AE88-A56288273955}"/>
+                <a16:creationId xmlns:a16="http://schemas.microsoft.com/office/drawing/2014/main" id="{A3608074-66C1-4E5C-83F7-F9D637AAF7D3}"/>
               </a:ext>
             </a:extLst>
           </p:cNvPr>
@@ -5860,8 +6022,8 @@
         </p:blipFill>
         <p:spPr>
           <a:xfrm>
-            <a:off x="243192" y="1366318"/>
-            <a:ext cx="5487650" cy="3658433"/>
+            <a:off x="161106" y="1565840"/>
+            <a:ext cx="5029803" cy="3353202"/>
           </a:xfrm>
           <a:prstGeom prst="rect">
             <a:avLst/>
@@ -5871,7 +6033,7 @@
     </p:spTree>
     <p:extLst>
       <p:ext uri="{BB962C8B-B14F-4D97-AF65-F5344CB8AC3E}">
-        <p14:creationId xmlns:p14="http://schemas.microsoft.com/office/powerpoint/2010/main" val="1225465981"/>
+        <p14:creationId xmlns:p14="http://schemas.microsoft.com/office/powerpoint/2010/main" val="2645610964"/>
       </p:ext>
     </p:extLst>
   </p:cSld>

--- a/Digging into the DEA.pptx
+++ b/Digging into the DEA.pptx
@@ -4078,6 +4078,12 @@
           <a:p>
             <a:r>
               <a:rPr lang="en-US" sz="1600" dirty="0"/>
+              <a:t>Contrary to our hypothesis, construction jobs have a negative correlation to opiate distribution while STEM jobs have a positive correlation</a:t>
+            </a:r>
+          </a:p>
+          <a:p>
+            <a:r>
+              <a:rPr lang="en-US" sz="1600" dirty="0"/>
               <a:t>Next steps would be to evaluate opiate related overdoses and deaths and work to correlate to distribution numbers and population to try and find where opiates are being appropriately prescribed rather than abused.</a:t>
             </a:r>
           </a:p>

--- a/Digging into the DEA.pptx
+++ b/Digging into the DEA.pptx
@@ -9,13 +9,15 @@
     <p:sldId id="259" r:id="rId3"/>
     <p:sldId id="257" r:id="rId4"/>
     <p:sldId id="258" r:id="rId5"/>
-    <p:sldId id="260" r:id="rId6"/>
-    <p:sldId id="266" r:id="rId7"/>
-    <p:sldId id="268" r:id="rId8"/>
-    <p:sldId id="267" r:id="rId9"/>
-    <p:sldId id="263" r:id="rId10"/>
-    <p:sldId id="262" r:id="rId11"/>
-    <p:sldId id="261" r:id="rId12"/>
+    <p:sldId id="269" r:id="rId6"/>
+    <p:sldId id="270" r:id="rId7"/>
+    <p:sldId id="260" r:id="rId8"/>
+    <p:sldId id="266" r:id="rId9"/>
+    <p:sldId id="268" r:id="rId10"/>
+    <p:sldId id="267" r:id="rId11"/>
+    <p:sldId id="263" r:id="rId12"/>
+    <p:sldId id="262" r:id="rId13"/>
+    <p:sldId id="261" r:id="rId14"/>
   </p:sldIdLst>
   <p:sldSz cx="12192000" cy="6858000"/>
   <p:notesSz cx="6858000" cy="9144000"/>
@@ -3533,8 +3535,8 @@
         </p:nvSpPr>
         <p:spPr>
           <a:xfrm>
-            <a:off x="447436" y="5695950"/>
-            <a:ext cx="6274756" cy="1412294"/>
+            <a:off x="447435" y="5695950"/>
+            <a:ext cx="7542467" cy="1412294"/>
           </a:xfrm>
         </p:spPr>
         <p:txBody>
@@ -3561,7 +3563,7 @@
             </a:pPr>
             <a:r>
               <a:rPr lang="en-US" dirty="0"/>
-              <a:t>Wyatt Carnes, Keven </a:t>
+              <a:t>Team 1:Wyatt Carnes, Keven </a:t>
             </a:r>
             <a:r>
               <a:rPr lang="en-US" dirty="0" err="1"/>
@@ -3569,13 +3571,8 @@
             </a:r>
             <a:r>
               <a:rPr lang="en-US" dirty="0"/>
-              <a:t>, John </a:t>
-            </a:r>
-            <a:r>
-              <a:rPr lang="en-US" dirty="0" err="1"/>
-              <a:t>Solts</a:t>
-            </a:r>
-            <a:endParaRPr lang="en-US" dirty="0"/>
+              <a:t>, John Soltis</a:t>
+            </a:r>
           </a:p>
           <a:p>
             <a:pPr>
@@ -3721,6 +3718,596 @@
 </file>
 
 <file path=ppt/slides/slide10.xml><?xml version="1.0" encoding="utf-8"?>
+<p:sld xmlns:a="http://schemas.openxmlformats.org/drawingml/2006/main" xmlns:r="http://schemas.openxmlformats.org/officeDocument/2006/relationships" xmlns:p="http://schemas.openxmlformats.org/presentationml/2006/main">
+  <p:cSld>
+    <p:spTree>
+      <p:nvGrpSpPr>
+        <p:cNvPr id="1" name=""/>
+        <p:cNvGrpSpPr/>
+        <p:nvPr/>
+      </p:nvGrpSpPr>
+      <p:grpSpPr>
+        <a:xfrm>
+          <a:off x="0" y="0"/>
+          <a:ext cx="0" cy="0"/>
+          <a:chOff x="0" y="0"/>
+          <a:chExt cx="0" cy="0"/>
+        </a:xfrm>
+      </p:grpSpPr>
+      <p:sp>
+        <p:nvSpPr>
+          <p:cNvPr id="2" name="Title 1">
+            <a:extLst>
+              <a:ext uri="{FF2B5EF4-FFF2-40B4-BE49-F238E27FC236}">
+                <a16:creationId xmlns:a16="http://schemas.microsoft.com/office/drawing/2014/main" id="{4FB99FCE-194F-43B9-9775-7D2EC1E961EB}"/>
+              </a:ext>
+            </a:extLst>
+          </p:cNvPr>
+          <p:cNvSpPr>
+            <a:spLocks noGrp="1"/>
+          </p:cNvSpPr>
+          <p:nvPr>
+            <p:ph type="title"/>
+          </p:nvPr>
+        </p:nvSpPr>
+        <p:spPr>
+          <a:xfrm>
+            <a:off x="0" y="15082"/>
+            <a:ext cx="9692640" cy="934829"/>
+          </a:xfrm>
+        </p:spPr>
+        <p:txBody>
+          <a:bodyPr/>
+          <a:lstStyle/>
+          <a:p>
+            <a:r>
+              <a:rPr lang="en-US" dirty="0"/>
+              <a:t>Analysis</a:t>
+            </a:r>
+          </a:p>
+        </p:txBody>
+      </p:sp>
+      <p:sp>
+        <p:nvSpPr>
+          <p:cNvPr id="16" name="TextBox 15">
+            <a:extLst>
+              <a:ext uri="{FF2B5EF4-FFF2-40B4-BE49-F238E27FC236}">
+                <a16:creationId xmlns:a16="http://schemas.microsoft.com/office/drawing/2014/main" id="{810B034D-B8A7-453B-9EFF-50CBCE48FC9E}"/>
+              </a:ext>
+            </a:extLst>
+          </p:cNvPr>
+          <p:cNvSpPr txBox="1"/>
+          <p:nvPr/>
+        </p:nvSpPr>
+        <p:spPr>
+          <a:xfrm>
+            <a:off x="1166498" y="1473855"/>
+            <a:ext cx="3305175" cy="369332"/>
+          </a:xfrm>
+          <a:prstGeom prst="rect">
+            <a:avLst/>
+          </a:prstGeom>
+          <a:noFill/>
+        </p:spPr>
+        <p:txBody>
+          <a:bodyPr wrap="square" rtlCol="0">
+            <a:spAutoFit/>
+          </a:bodyPr>
+          <a:lstStyle/>
+          <a:p>
+            <a:r>
+              <a:rPr lang="en-US" dirty="0"/>
+              <a:t>STEM Jobs vs Pill Quantity</a:t>
+            </a:r>
+          </a:p>
+        </p:txBody>
+      </p:sp>
+      <p:sp>
+        <p:nvSpPr>
+          <p:cNvPr id="17" name="TextBox 16">
+            <a:extLst>
+              <a:ext uri="{FF2B5EF4-FFF2-40B4-BE49-F238E27FC236}">
+                <a16:creationId xmlns:a16="http://schemas.microsoft.com/office/drawing/2014/main" id="{D45C3EE8-7CCF-4976-BB7B-1D9DDDE5141B}"/>
+              </a:ext>
+            </a:extLst>
+          </p:cNvPr>
+          <p:cNvSpPr txBox="1"/>
+          <p:nvPr/>
+        </p:nvSpPr>
+        <p:spPr>
+          <a:xfrm>
+            <a:off x="6380091" y="1424466"/>
+            <a:ext cx="4298468" cy="369332"/>
+          </a:xfrm>
+          <a:prstGeom prst="rect">
+            <a:avLst/>
+          </a:prstGeom>
+          <a:noFill/>
+        </p:spPr>
+        <p:txBody>
+          <a:bodyPr wrap="square" rtlCol="0">
+            <a:spAutoFit/>
+          </a:bodyPr>
+          <a:lstStyle/>
+          <a:p>
+            <a:r>
+              <a:rPr lang="en-US" dirty="0"/>
+              <a:t>Construction Jobs vs. Pill Quantity</a:t>
+            </a:r>
+          </a:p>
+        </p:txBody>
+      </p:sp>
+      <p:pic>
+        <p:nvPicPr>
+          <p:cNvPr id="4" name="Picture 3" descr="A close up of a map&#10;&#10;Description automatically generated">
+            <a:extLst>
+              <a:ext uri="{FF2B5EF4-FFF2-40B4-BE49-F238E27FC236}">
+                <a16:creationId xmlns:a16="http://schemas.microsoft.com/office/drawing/2014/main" id="{E3CDBC23-9506-424A-8608-B138D9FFCEA9}"/>
+              </a:ext>
+            </a:extLst>
+          </p:cNvPr>
+          <p:cNvPicPr>
+            <a:picLocks noChangeAspect="1"/>
+          </p:cNvPicPr>
+          <p:nvPr/>
+        </p:nvPicPr>
+        <p:blipFill>
+          <a:blip r:embed="rId2">
+            <a:extLst>
+              <a:ext uri="{28A0092B-C50C-407E-A947-70E740481C1C}">
+                <a14:useLocalDpi xmlns:a14="http://schemas.microsoft.com/office/drawing/2010/main" val="0"/>
+              </a:ext>
+            </a:extLst>
+          </a:blip>
+          <a:stretch>
+            <a:fillRect/>
+          </a:stretch>
+        </p:blipFill>
+        <p:spPr>
+          <a:xfrm>
+            <a:off x="5890102" y="1495442"/>
+            <a:ext cx="5135400" cy="3423600"/>
+          </a:xfrm>
+          <a:prstGeom prst="rect">
+            <a:avLst/>
+          </a:prstGeom>
+        </p:spPr>
+      </p:pic>
+      <p:pic>
+        <p:nvPicPr>
+          <p:cNvPr id="7" name="Picture 6" descr="A screenshot of a cell phone&#10;&#10;Description automatically generated">
+            <a:extLst>
+              <a:ext uri="{FF2B5EF4-FFF2-40B4-BE49-F238E27FC236}">
+                <a16:creationId xmlns:a16="http://schemas.microsoft.com/office/drawing/2014/main" id="{A3608074-66C1-4E5C-83F7-F9D637AAF7D3}"/>
+              </a:ext>
+            </a:extLst>
+          </p:cNvPr>
+          <p:cNvPicPr>
+            <a:picLocks noChangeAspect="1"/>
+          </p:cNvPicPr>
+          <p:nvPr/>
+        </p:nvPicPr>
+        <p:blipFill>
+          <a:blip r:embed="rId3">
+            <a:extLst>
+              <a:ext uri="{28A0092B-C50C-407E-A947-70E740481C1C}">
+                <a14:useLocalDpi xmlns:a14="http://schemas.microsoft.com/office/drawing/2010/main" val="0"/>
+              </a:ext>
+            </a:extLst>
+          </a:blip>
+          <a:stretch>
+            <a:fillRect/>
+          </a:stretch>
+        </p:blipFill>
+        <p:spPr>
+          <a:xfrm>
+            <a:off x="161106" y="1565840"/>
+            <a:ext cx="5029803" cy="3353202"/>
+          </a:xfrm>
+          <a:prstGeom prst="rect">
+            <a:avLst/>
+          </a:prstGeom>
+        </p:spPr>
+      </p:pic>
+      <p:sp>
+        <p:nvSpPr>
+          <p:cNvPr id="9" name="TextBox 8">
+            <a:extLst>
+              <a:ext uri="{FF2B5EF4-FFF2-40B4-BE49-F238E27FC236}">
+                <a16:creationId xmlns:a16="http://schemas.microsoft.com/office/drawing/2014/main" id="{FD1B3D77-55B6-4603-837E-36913737BF7A}"/>
+              </a:ext>
+            </a:extLst>
+          </p:cNvPr>
+          <p:cNvSpPr txBox="1"/>
+          <p:nvPr/>
+        </p:nvSpPr>
+        <p:spPr>
+          <a:xfrm>
+            <a:off x="554476" y="5292160"/>
+            <a:ext cx="10257017" cy="1384995"/>
+          </a:xfrm>
+          <a:prstGeom prst="rect">
+            <a:avLst/>
+          </a:prstGeom>
+          <a:noFill/>
+        </p:spPr>
+        <p:txBody>
+          <a:bodyPr wrap="square" rtlCol="0">
+            <a:spAutoFit/>
+          </a:bodyPr>
+          <a:lstStyle/>
+          <a:p>
+            <a:r>
+              <a:rPr lang="en-US" sz="2800" dirty="0"/>
+              <a:t>STEM jobs have a slight positive correlation while Construction jobs have a more pronounced negative correlation</a:t>
+            </a:r>
+          </a:p>
+        </p:txBody>
+      </p:sp>
+    </p:spTree>
+    <p:extLst>
+      <p:ext uri="{BB962C8B-B14F-4D97-AF65-F5344CB8AC3E}">
+        <p14:creationId xmlns:p14="http://schemas.microsoft.com/office/powerpoint/2010/main" val="2645610964"/>
+      </p:ext>
+    </p:extLst>
+  </p:cSld>
+  <p:clrMapOvr>
+    <a:masterClrMapping/>
+  </p:clrMapOvr>
+</p:sld>
+</file>
+
+<file path=ppt/slides/slide11.xml><?xml version="1.0" encoding="utf-8"?>
+<p:sld xmlns:a="http://schemas.openxmlformats.org/drawingml/2006/main" xmlns:r="http://schemas.openxmlformats.org/officeDocument/2006/relationships" xmlns:p="http://schemas.openxmlformats.org/presentationml/2006/main">
+  <p:cSld>
+    <p:spTree>
+      <p:nvGrpSpPr>
+        <p:cNvPr id="1" name=""/>
+        <p:cNvGrpSpPr/>
+        <p:nvPr/>
+      </p:nvGrpSpPr>
+      <p:grpSpPr>
+        <a:xfrm>
+          <a:off x="0" y="0"/>
+          <a:ext cx="0" cy="0"/>
+          <a:chOff x="0" y="0"/>
+          <a:chExt cx="0" cy="0"/>
+        </a:xfrm>
+      </p:grpSpPr>
+      <p:sp>
+        <p:nvSpPr>
+          <p:cNvPr id="2" name="Title 1">
+            <a:extLst>
+              <a:ext uri="{FF2B5EF4-FFF2-40B4-BE49-F238E27FC236}">
+                <a16:creationId xmlns:a16="http://schemas.microsoft.com/office/drawing/2014/main" id="{4FB99FCE-194F-43B9-9775-7D2EC1E961EB}"/>
+              </a:ext>
+            </a:extLst>
+          </p:cNvPr>
+          <p:cNvSpPr>
+            <a:spLocks noGrp="1"/>
+          </p:cNvSpPr>
+          <p:nvPr>
+            <p:ph type="title"/>
+          </p:nvPr>
+        </p:nvSpPr>
+        <p:spPr>
+          <a:xfrm>
+            <a:off x="638175" y="-66675"/>
+            <a:ext cx="2400300" cy="934829"/>
+          </a:xfrm>
+        </p:spPr>
+        <p:txBody>
+          <a:bodyPr/>
+          <a:lstStyle/>
+          <a:p>
+            <a:r>
+              <a:rPr lang="en-US" dirty="0"/>
+              <a:t>Analysis</a:t>
+            </a:r>
+          </a:p>
+        </p:txBody>
+      </p:sp>
+      <p:pic>
+        <p:nvPicPr>
+          <p:cNvPr id="7" name="Content Placeholder 6" descr="A close up of text on a white background&#10;&#10;Description automatically generated">
+            <a:extLst>
+              <a:ext uri="{FF2B5EF4-FFF2-40B4-BE49-F238E27FC236}">
+                <a16:creationId xmlns:a16="http://schemas.microsoft.com/office/drawing/2014/main" id="{C43CB727-DF63-46F6-A21D-600FEE303C8F}"/>
+              </a:ext>
+            </a:extLst>
+          </p:cNvPr>
+          <p:cNvPicPr>
+            <a:picLocks noGrp="1" noChangeAspect="1"/>
+          </p:cNvPicPr>
+          <p:nvPr>
+            <p:ph idx="1"/>
+          </p:nvPr>
+        </p:nvPicPr>
+        <p:blipFill>
+          <a:blip r:embed="rId2">
+            <a:extLst>
+              <a:ext uri="{28A0092B-C50C-407E-A947-70E740481C1C}">
+                <a14:useLocalDpi xmlns:a14="http://schemas.microsoft.com/office/drawing/2010/main" val="0"/>
+              </a:ext>
+            </a:extLst>
+          </a:blip>
+          <a:stretch>
+            <a:fillRect/>
+          </a:stretch>
+        </p:blipFill>
+        <p:spPr>
+          <a:xfrm>
+            <a:off x="4257675" y="190103"/>
+            <a:ext cx="6477794" cy="6477794"/>
+          </a:xfrm>
+        </p:spPr>
+      </p:pic>
+      <p:sp>
+        <p:nvSpPr>
+          <p:cNvPr id="8" name="TextBox 7">
+            <a:extLst>
+              <a:ext uri="{FF2B5EF4-FFF2-40B4-BE49-F238E27FC236}">
+                <a16:creationId xmlns:a16="http://schemas.microsoft.com/office/drawing/2014/main" id="{F6A6CC84-A36F-463C-8CCB-166469514C51}"/>
+              </a:ext>
+            </a:extLst>
+          </p:cNvPr>
+          <p:cNvSpPr txBox="1"/>
+          <p:nvPr/>
+        </p:nvSpPr>
+        <p:spPr>
+          <a:xfrm>
+            <a:off x="350196" y="1517514"/>
+            <a:ext cx="3686783" cy="3139321"/>
+          </a:xfrm>
+          <a:prstGeom prst="rect">
+            <a:avLst/>
+          </a:prstGeom>
+          <a:noFill/>
+        </p:spPr>
+        <p:txBody>
+          <a:bodyPr wrap="square" rtlCol="0">
+            <a:spAutoFit/>
+          </a:bodyPr>
+          <a:lstStyle/>
+          <a:p>
+            <a:r>
+              <a:rPr lang="en-US" dirty="0"/>
+              <a:t>There are no overwhelmingly strong correlations observed. The strongest with a 0.6 correlation coefficient is STEM Jobs and Average Income. </a:t>
+            </a:r>
+          </a:p>
+          <a:p>
+            <a:endParaRPr lang="en-US" dirty="0"/>
+          </a:p>
+          <a:p>
+            <a:r>
+              <a:rPr lang="en-US" dirty="0"/>
+              <a:t>Interestingly pill quantity correlates positively with STEM jobs per capita and negatively with Construction jobs per capita.</a:t>
+            </a:r>
+          </a:p>
+        </p:txBody>
+      </p:sp>
+      <p:sp>
+        <p:nvSpPr>
+          <p:cNvPr id="9" name="Rectangle 8">
+            <a:extLst>
+              <a:ext uri="{FF2B5EF4-FFF2-40B4-BE49-F238E27FC236}">
+                <a16:creationId xmlns:a16="http://schemas.microsoft.com/office/drawing/2014/main" id="{D05E101C-C6F8-4B23-8896-B8661FA3C783}"/>
+              </a:ext>
+            </a:extLst>
+          </p:cNvPr>
+          <p:cNvSpPr/>
+          <p:nvPr/>
+        </p:nvSpPr>
+        <p:spPr>
+          <a:xfrm>
+            <a:off x="6217190" y="4917332"/>
+            <a:ext cx="1383760" cy="1664443"/>
+          </a:xfrm>
+          <a:prstGeom prst="rect">
+            <a:avLst/>
+          </a:prstGeom>
+          <a:noFill/>
+          <a:ln w="31750">
+            <a:solidFill>
+              <a:srgbClr val="00B050"/>
+            </a:solidFill>
+          </a:ln>
+        </p:spPr>
+        <p:style>
+          <a:lnRef idx="2">
+            <a:schemeClr val="accent1">
+              <a:shade val="50000"/>
+            </a:schemeClr>
+          </a:lnRef>
+          <a:fillRef idx="1">
+            <a:schemeClr val="accent1"/>
+          </a:fillRef>
+          <a:effectRef idx="0">
+            <a:schemeClr val="accent1"/>
+          </a:effectRef>
+          <a:fontRef idx="minor">
+            <a:schemeClr val="lt1"/>
+          </a:fontRef>
+        </p:style>
+        <p:txBody>
+          <a:bodyPr rtlCol="0" anchor="ctr"/>
+          <a:lstStyle/>
+          <a:p>
+            <a:pPr algn="ctr"/>
+            <a:endParaRPr lang="en-US"/>
+          </a:p>
+        </p:txBody>
+      </p:sp>
+      <p:sp>
+        <p:nvSpPr>
+          <p:cNvPr id="10" name="Rectangle 9">
+            <a:extLst>
+              <a:ext uri="{FF2B5EF4-FFF2-40B4-BE49-F238E27FC236}">
+                <a16:creationId xmlns:a16="http://schemas.microsoft.com/office/drawing/2014/main" id="{E385D611-2A59-4827-90EC-BF20A4BD41D2}"/>
+              </a:ext>
+            </a:extLst>
+          </p:cNvPr>
+          <p:cNvSpPr/>
+          <p:nvPr/>
+        </p:nvSpPr>
+        <p:spPr>
+          <a:xfrm>
+            <a:off x="7703090" y="4917331"/>
+            <a:ext cx="1383760" cy="1664443"/>
+          </a:xfrm>
+          <a:prstGeom prst="rect">
+            <a:avLst/>
+          </a:prstGeom>
+          <a:noFill/>
+          <a:ln w="31750">
+            <a:solidFill>
+              <a:srgbClr val="FF0000"/>
+            </a:solidFill>
+          </a:ln>
+        </p:spPr>
+        <p:style>
+          <a:lnRef idx="2">
+            <a:schemeClr val="accent1">
+              <a:shade val="50000"/>
+            </a:schemeClr>
+          </a:lnRef>
+          <a:fillRef idx="1">
+            <a:schemeClr val="accent1"/>
+          </a:fillRef>
+          <a:effectRef idx="0">
+            <a:schemeClr val="accent1"/>
+          </a:effectRef>
+          <a:fontRef idx="minor">
+            <a:schemeClr val="lt1"/>
+          </a:fontRef>
+        </p:style>
+        <p:txBody>
+          <a:bodyPr rtlCol="0" anchor="ctr"/>
+          <a:lstStyle/>
+          <a:p>
+            <a:pPr algn="ctr"/>
+            <a:endParaRPr lang="en-US"/>
+          </a:p>
+        </p:txBody>
+      </p:sp>
+      <p:sp>
+        <p:nvSpPr>
+          <p:cNvPr id="11" name="Rectangle 10">
+            <a:extLst>
+              <a:ext uri="{FF2B5EF4-FFF2-40B4-BE49-F238E27FC236}">
+                <a16:creationId xmlns:a16="http://schemas.microsoft.com/office/drawing/2014/main" id="{B5D38FB3-2BD3-448C-AA94-D5FC5B4CAB47}"/>
+              </a:ext>
+            </a:extLst>
+          </p:cNvPr>
+          <p:cNvSpPr/>
+          <p:nvPr/>
+        </p:nvSpPr>
+        <p:spPr>
+          <a:xfrm>
+            <a:off x="9208040" y="1714500"/>
+            <a:ext cx="1383760" cy="1595337"/>
+          </a:xfrm>
+          <a:prstGeom prst="rect">
+            <a:avLst/>
+          </a:prstGeom>
+          <a:noFill/>
+          <a:ln w="31750">
+            <a:solidFill>
+              <a:srgbClr val="00B050"/>
+            </a:solidFill>
+          </a:ln>
+        </p:spPr>
+        <p:style>
+          <a:lnRef idx="2">
+            <a:schemeClr val="accent1">
+              <a:shade val="50000"/>
+            </a:schemeClr>
+          </a:lnRef>
+          <a:fillRef idx="1">
+            <a:schemeClr val="accent1"/>
+          </a:fillRef>
+          <a:effectRef idx="0">
+            <a:schemeClr val="accent1"/>
+          </a:effectRef>
+          <a:fontRef idx="minor">
+            <a:schemeClr val="lt1"/>
+          </a:fontRef>
+        </p:style>
+        <p:txBody>
+          <a:bodyPr rtlCol="0" anchor="ctr"/>
+          <a:lstStyle/>
+          <a:p>
+            <a:pPr algn="ctr"/>
+            <a:endParaRPr lang="en-US"/>
+          </a:p>
+        </p:txBody>
+      </p:sp>
+      <p:sp>
+        <p:nvSpPr>
+          <p:cNvPr id="12" name="Rectangle 11">
+            <a:extLst>
+              <a:ext uri="{FF2B5EF4-FFF2-40B4-BE49-F238E27FC236}">
+                <a16:creationId xmlns:a16="http://schemas.microsoft.com/office/drawing/2014/main" id="{6BE0090A-B95B-491C-A68F-B48AF4F22411}"/>
+              </a:ext>
+            </a:extLst>
+          </p:cNvPr>
+          <p:cNvSpPr/>
+          <p:nvPr/>
+        </p:nvSpPr>
+        <p:spPr>
+          <a:xfrm>
+            <a:off x="9208040" y="3350369"/>
+            <a:ext cx="1383760" cy="1483866"/>
+          </a:xfrm>
+          <a:prstGeom prst="rect">
+            <a:avLst/>
+          </a:prstGeom>
+          <a:noFill/>
+          <a:ln w="31750">
+            <a:solidFill>
+              <a:srgbClr val="FF0000"/>
+            </a:solidFill>
+          </a:ln>
+        </p:spPr>
+        <p:style>
+          <a:lnRef idx="2">
+            <a:schemeClr val="accent1">
+              <a:shade val="50000"/>
+            </a:schemeClr>
+          </a:lnRef>
+          <a:fillRef idx="1">
+            <a:schemeClr val="accent1"/>
+          </a:fillRef>
+          <a:effectRef idx="0">
+            <a:schemeClr val="accent1"/>
+          </a:effectRef>
+          <a:fontRef idx="minor">
+            <a:schemeClr val="lt1"/>
+          </a:fontRef>
+        </p:style>
+        <p:txBody>
+          <a:bodyPr rtlCol="0" anchor="ctr"/>
+          <a:lstStyle/>
+          <a:p>
+            <a:pPr algn="ctr"/>
+            <a:endParaRPr lang="en-US"/>
+          </a:p>
+        </p:txBody>
+      </p:sp>
+    </p:spTree>
+    <p:extLst>
+      <p:ext uri="{BB962C8B-B14F-4D97-AF65-F5344CB8AC3E}">
+        <p14:creationId xmlns:p14="http://schemas.microsoft.com/office/powerpoint/2010/main" val="2874377814"/>
+      </p:ext>
+    </p:extLst>
+  </p:cSld>
+  <p:clrMapOvr>
+    <a:masterClrMapping/>
+  </p:clrMapOvr>
+</p:sld>
+</file>
+
+<file path=ppt/slides/slide12.xml><?xml version="1.0" encoding="utf-8"?>
 <p:sld xmlns:a="http://schemas.openxmlformats.org/drawingml/2006/main" xmlns:r="http://schemas.openxmlformats.org/officeDocument/2006/relationships" xmlns:p="http://schemas.openxmlformats.org/presentationml/2006/main">
   <p:cSld>
     <p:bg>
@@ -3937,7 +4524,7 @@
 </p:sld>
 </file>
 
-<file path=ppt/slides/slide11.xml><?xml version="1.0" encoding="utf-8"?>
+<file path=ppt/slides/slide13.xml><?xml version="1.0" encoding="utf-8"?>
 <p:sld xmlns:a="http://schemas.openxmlformats.org/drawingml/2006/main" xmlns:r="http://schemas.openxmlformats.org/officeDocument/2006/relationships" xmlns:p="http://schemas.openxmlformats.org/presentationml/2006/main">
   <p:cSld>
     <p:bg>
@@ -5053,7 +5640,7 @@
           <p:cNvPr id="2" name="Title 1">
             <a:extLst>
               <a:ext uri="{FF2B5EF4-FFF2-40B4-BE49-F238E27FC236}">
-                <a16:creationId xmlns:a16="http://schemas.microsoft.com/office/drawing/2014/main" id="{4FB99FCE-194F-43B9-9775-7D2EC1E961EB}"/>
+                <a16:creationId xmlns:a16="http://schemas.microsoft.com/office/drawing/2014/main" id="{F5441A52-BA8D-4AF7-B171-78CBCDA95EE3}"/>
               </a:ext>
             </a:extLst>
           </p:cNvPr>
@@ -5066,8 +5653,8 @@
         </p:nvSpPr>
         <p:spPr>
           <a:xfrm>
-            <a:off x="0" y="15082"/>
-            <a:ext cx="9692640" cy="934829"/>
+            <a:off x="0" y="-481965"/>
+            <a:ext cx="9692640" cy="1325562"/>
           </a:xfrm>
         </p:spPr>
         <p:txBody>
@@ -5076,51 +5663,17 @@
           <a:p>
             <a:r>
               <a:rPr lang="en-US" dirty="0"/>
-              <a:t>Analysis – total dosage per capita</a:t>
+              <a:t>Parsing DEA Data</a:t>
             </a:r>
           </a:p>
         </p:txBody>
       </p:sp>
       <p:pic>
         <p:nvPicPr>
-          <p:cNvPr id="9" name="Content Placeholder 8">
+          <p:cNvPr id="5" name="Picture 4">
             <a:extLst>
               <a:ext uri="{FF2B5EF4-FFF2-40B4-BE49-F238E27FC236}">
-                <a16:creationId xmlns:a16="http://schemas.microsoft.com/office/drawing/2014/main" id="{A9649A69-6D4A-4CFB-A525-13A0407C85A1}"/>
-              </a:ext>
-            </a:extLst>
-          </p:cNvPr>
-          <p:cNvPicPr>
-            <a:picLocks noGrp="1" noChangeAspect="1"/>
-          </p:cNvPicPr>
-          <p:nvPr>
-            <p:ph idx="1"/>
-          </p:nvPr>
-        </p:nvPicPr>
-        <p:blipFill rotWithShape="1">
-          <a:blip r:embed="rId2">
-            <a:extLst>
-              <a:ext uri="{28A0092B-C50C-407E-A947-70E740481C1C}">
-                <a14:useLocalDpi xmlns:a14="http://schemas.microsoft.com/office/drawing/2010/main" val="0"/>
-              </a:ext>
-            </a:extLst>
-          </a:blip>
-          <a:srcRect l="23479" t="8216" r="23367" b="3742"/>
-          <a:stretch/>
-        </p:blipFill>
-        <p:spPr>
-          <a:xfrm>
-            <a:off x="295275" y="1524000"/>
-            <a:ext cx="4600575" cy="3810001"/>
-          </a:xfrm>
-        </p:spPr>
-      </p:pic>
-      <p:pic>
-        <p:nvPicPr>
-          <p:cNvPr id="15" name="Picture 14" descr="A close up of a logo&#10;&#10;Description automatically generated">
-            <a:extLst>
-              <a:ext uri="{FF2B5EF4-FFF2-40B4-BE49-F238E27FC236}">
-                <a16:creationId xmlns:a16="http://schemas.microsoft.com/office/drawing/2014/main" id="{0516FC78-F8B8-4B0C-A5B3-6912ABBBE0DD}"/>
+                <a16:creationId xmlns:a16="http://schemas.microsoft.com/office/drawing/2014/main" id="{7BA51042-6F1B-4A66-A35E-FE5041FAC35D}"/>
               </a:ext>
             </a:extLst>
           </p:cNvPr>
@@ -5129,68 +5682,176 @@
           </p:cNvPicPr>
           <p:nvPr/>
         </p:nvPicPr>
-        <p:blipFill rotWithShape="1">
-          <a:blip r:embed="rId3">
-            <a:extLst>
-              <a:ext uri="{28A0092B-C50C-407E-A947-70E740481C1C}">
-                <a14:useLocalDpi xmlns:a14="http://schemas.microsoft.com/office/drawing/2010/main" val="0"/>
-              </a:ext>
-            </a:extLst>
-          </a:blip>
-          <a:srcRect l="24444" t="7778" r="24889" b="3333"/>
-          <a:stretch/>
+        <p:blipFill>
+          <a:blip r:embed="rId2"/>
+          <a:stretch>
+            <a:fillRect/>
+          </a:stretch>
         </p:blipFill>
         <p:spPr>
           <a:xfrm>
-            <a:off x="6343650" y="1523999"/>
-            <a:ext cx="4343400" cy="3810001"/>
+            <a:off x="330737" y="1002082"/>
+            <a:ext cx="6440571" cy="5505189"/>
           </a:xfrm>
           <a:prstGeom prst="rect">
             <a:avLst/>
           </a:prstGeom>
         </p:spPr>
       </p:pic>
-      <p:sp>
-        <p:nvSpPr>
-          <p:cNvPr id="16" name="TextBox 15">
+      <p:pic>
+        <p:nvPicPr>
+          <p:cNvPr id="6" name="Picture 5">
             <a:extLst>
               <a:ext uri="{FF2B5EF4-FFF2-40B4-BE49-F238E27FC236}">
-                <a16:creationId xmlns:a16="http://schemas.microsoft.com/office/drawing/2014/main" id="{810B034D-B8A7-453B-9EFF-50CBCE48FC9E}"/>
+                <a16:creationId xmlns:a16="http://schemas.microsoft.com/office/drawing/2014/main" id="{C9E31849-BC22-49A6-9AC4-B59E1C06DC42}"/>
               </a:ext>
             </a:extLst>
           </p:cNvPr>
-          <p:cNvSpPr txBox="1"/>
+          <p:cNvPicPr>
+            <a:picLocks noChangeAspect="1"/>
+          </p:cNvPicPr>
           <p:nvPr/>
-        </p:nvSpPr>
-        <p:spPr>
-          <a:xfrm>
-            <a:off x="942974" y="1057276"/>
-            <a:ext cx="3305175" cy="369332"/>
+        </p:nvPicPr>
+        <p:blipFill>
+          <a:blip r:embed="rId3"/>
+          <a:stretch>
+            <a:fillRect/>
+          </a:stretch>
+        </p:blipFill>
+        <p:spPr>
+          <a:xfrm>
+            <a:off x="7231302" y="1002082"/>
+            <a:ext cx="3867150" cy="2305050"/>
+          </a:xfrm>
+          <a:prstGeom prst="rect">
+            <a:avLst/>
+          </a:prstGeom>
+        </p:spPr>
+      </p:pic>
+    </p:spTree>
+    <p:extLst>
+      <p:ext uri="{BB962C8B-B14F-4D97-AF65-F5344CB8AC3E}">
+        <p14:creationId xmlns:p14="http://schemas.microsoft.com/office/powerpoint/2010/main" val="2848327763"/>
+      </p:ext>
+    </p:extLst>
+  </p:cSld>
+  <p:clrMapOvr>
+    <a:masterClrMapping/>
+  </p:clrMapOvr>
+</p:sld>
+</file>
+
+<file path=ppt/slides/slide6.xml><?xml version="1.0" encoding="utf-8"?>
+<p:sld xmlns:a="http://schemas.openxmlformats.org/drawingml/2006/main" xmlns:r="http://schemas.openxmlformats.org/officeDocument/2006/relationships" xmlns:p="http://schemas.openxmlformats.org/presentationml/2006/main">
+  <p:cSld>
+    <p:bg>
+      <p:bgPr>
+        <a:solidFill>
+          <a:schemeClr val="bg1"/>
+        </a:solidFill>
+        <a:effectLst/>
+      </p:bgPr>
+    </p:bg>
+    <p:spTree>
+      <p:nvGrpSpPr>
+        <p:cNvPr id="1" name=""/>
+        <p:cNvGrpSpPr/>
+        <p:nvPr/>
+      </p:nvGrpSpPr>
+      <p:grpSpPr>
+        <a:xfrm>
+          <a:off x="0" y="0"/>
+          <a:ext cx="0" cy="0"/>
+          <a:chOff x="0" y="0"/>
+          <a:chExt cx="0" cy="0"/>
+        </a:xfrm>
+      </p:grpSpPr>
+      <p:sp>
+        <p:nvSpPr>
+          <p:cNvPr id="2" name="Title 1">
+            <a:extLst>
+              <a:ext uri="{FF2B5EF4-FFF2-40B4-BE49-F238E27FC236}">
+                <a16:creationId xmlns:a16="http://schemas.microsoft.com/office/drawing/2014/main" id="{F5441A52-BA8D-4AF7-B171-78CBCDA95EE3}"/>
+              </a:ext>
+            </a:extLst>
+          </p:cNvPr>
+          <p:cNvSpPr>
+            <a:spLocks noGrp="1"/>
+          </p:cNvSpPr>
+          <p:nvPr>
+            <p:ph type="title"/>
+          </p:nvPr>
+        </p:nvSpPr>
+        <p:spPr>
+          <a:xfrm>
+            <a:off x="6420464" y="365760"/>
+            <a:ext cx="4534047" cy="1325562"/>
+          </a:xfrm>
+        </p:spPr>
+        <p:txBody>
+          <a:bodyPr vert="horz" lIns="91440" tIns="45720" rIns="91440" bIns="45720" rtlCol="0" anchor="b">
+            <a:normAutofit/>
+          </a:bodyPr>
+          <a:lstStyle/>
+          <a:p>
+            <a:r>
+              <a:rPr lang="en-US" sz="4100"/>
+              <a:t>Manipulating and Merging Data</a:t>
+            </a:r>
+          </a:p>
+        </p:txBody>
+      </p:sp>
+      <p:pic>
+        <p:nvPicPr>
+          <p:cNvPr id="6146" name="Picture 2" descr="Image result for merge">
+            <a:extLst>
+              <a:ext uri="{FF2B5EF4-FFF2-40B4-BE49-F238E27FC236}">
+                <a16:creationId xmlns:a16="http://schemas.microsoft.com/office/drawing/2014/main" id="{63FC7294-6B06-4DB1-9DBB-0D41FF898CAA}"/>
+              </a:ext>
+            </a:extLst>
+          </p:cNvPr>
+          <p:cNvPicPr>
+            <a:picLocks noChangeAspect="1" noChangeArrowheads="1"/>
+          </p:cNvPicPr>
+          <p:nvPr/>
+        </p:nvPicPr>
+        <p:blipFill rotWithShape="1">
+          <a:blip r:embed="rId2">
+            <a:extLst>
+              <a:ext uri="{28A0092B-C50C-407E-A947-70E740481C1C}">
+                <a14:useLocalDpi xmlns:a14="http://schemas.microsoft.com/office/drawing/2010/main" val="0"/>
+              </a:ext>
+            </a:extLst>
+          </a:blip>
+          <a:srcRect l="19012" r="14257" b="-2"/>
+          <a:stretch/>
+        </p:blipFill>
+        <p:spPr bwMode="auto">
+          <a:xfrm>
+            <a:off x="643192" y="645106"/>
+            <a:ext cx="5451627" cy="5535031"/>
           </a:xfrm>
           <a:prstGeom prst="rect">
             <a:avLst/>
           </a:prstGeom>
           <a:noFill/>
-        </p:spPr>
-        <p:txBody>
-          <a:bodyPr wrap="square" rtlCol="0">
-            <a:spAutoFit/>
-          </a:bodyPr>
-          <a:lstStyle/>
-          <a:p>
-            <a:r>
-              <a:rPr lang="en-US" dirty="0"/>
-              <a:t>Total Opiate Dosage Ordered</a:t>
-            </a:r>
-          </a:p>
-        </p:txBody>
-      </p:sp>
-      <p:sp>
-        <p:nvSpPr>
-          <p:cNvPr id="17" name="TextBox 16">
+          <a:extLst>
+            <a:ext uri="{909E8E84-426E-40DD-AFC4-6F175D3DCCD1}">
+              <a14:hiddenFill xmlns:a14="http://schemas.microsoft.com/office/drawing/2010/main">
+                <a:solidFill>
+                  <a:srgbClr val="FFFFFF"/>
+                </a:solidFill>
+              </a14:hiddenFill>
+            </a:ext>
+          </a:extLst>
+        </p:spPr>
+      </p:pic>
+      <p:sp>
+        <p:nvSpPr>
+          <p:cNvPr id="3" name="TextBox 2">
             <a:extLst>
               <a:ext uri="{FF2B5EF4-FFF2-40B4-BE49-F238E27FC236}">
-                <a16:creationId xmlns:a16="http://schemas.microsoft.com/office/drawing/2014/main" id="{D45C3EE8-7CCF-4976-BB7B-1D9DDDE5141B}"/>
+                <a16:creationId xmlns:a16="http://schemas.microsoft.com/office/drawing/2014/main" id="{612699DF-F893-4E2C-A493-10D45250DD14}"/>
               </a:ext>
             </a:extLst>
           </p:cNvPr>
@@ -5199,52 +5860,107 @@
         </p:nvSpPr>
         <p:spPr>
           <a:xfrm>
-            <a:off x="6517481" y="1057276"/>
-            <a:ext cx="3995737" cy="369332"/>
+            <a:off x="6420463" y="1828800"/>
+            <a:ext cx="4572002" cy="4351337"/>
           </a:xfrm>
           <a:prstGeom prst="rect">
             <a:avLst/>
           </a:prstGeom>
-          <a:noFill/>
-        </p:spPr>
-        <p:txBody>
-          <a:bodyPr wrap="square" rtlCol="0">
-            <a:spAutoFit/>
+        </p:spPr>
+        <p:txBody>
+          <a:bodyPr vert="horz" lIns="91440" tIns="45720" rIns="91440" bIns="45720" rtlCol="0">
+            <a:normAutofit/>
           </a:bodyPr>
           <a:lstStyle/>
           <a:p>
-            <a:r>
-              <a:rPr lang="en-US" dirty="0"/>
-              <a:t>Per Capita Opiate Dosage Ordered</a:t>
-            </a:r>
-          </a:p>
-        </p:txBody>
-      </p:sp>
-      <p:sp>
-        <p:nvSpPr>
-          <p:cNvPr id="18" name="Rectangle 17">
+            <a:pPr marL="285750" indent="-182880" defTabSz="914400">
+              <a:spcAft>
+                <a:spcPts val="600"/>
+              </a:spcAft>
+              <a:buClr>
+                <a:schemeClr val="accent1"/>
+              </a:buClr>
+              <a:buFont typeface="Arial" panose="020B0604020202020204" pitchFamily="34" charset="0"/>
+              <a:buChar char="•"/>
+            </a:pPr>
+            <a:r>
+              <a:rPr lang="en-US"/>
+              <a:t>Modify County names in both DEA and Census data to match</a:t>
+            </a:r>
+          </a:p>
+          <a:p>
+            <a:pPr marL="285750" indent="-182880" defTabSz="914400">
+              <a:spcAft>
+                <a:spcPts val="600"/>
+              </a:spcAft>
+              <a:buClr>
+                <a:schemeClr val="accent1"/>
+              </a:buClr>
+              <a:buFont typeface="Arial" panose="020B0604020202020204" pitchFamily="34" charset="0"/>
+              <a:buChar char="•"/>
+            </a:pPr>
+            <a:r>
+              <a:rPr lang="en-US"/>
+              <a:t>Select and rename columns to be readable in the census dataframe</a:t>
+            </a:r>
+          </a:p>
+          <a:p>
+            <a:pPr marL="285750" indent="-182880" defTabSz="914400">
+              <a:spcAft>
+                <a:spcPts val="600"/>
+              </a:spcAft>
+              <a:buClr>
+                <a:schemeClr val="accent1"/>
+              </a:buClr>
+              <a:buFont typeface="Arial" panose="020B0604020202020204" pitchFamily="34" charset="0"/>
+              <a:buChar char="•"/>
+            </a:pPr>
+            <a:r>
+              <a:rPr lang="en-US"/>
+              <a:t>Merge data on “County” field</a:t>
+            </a:r>
+          </a:p>
+        </p:txBody>
+      </p:sp>
+      <p:sp>
+        <p:nvSpPr>
+          <p:cNvPr id="135" name="Rectangle 134">
             <a:extLst>
               <a:ext uri="{FF2B5EF4-FFF2-40B4-BE49-F238E27FC236}">
-                <a16:creationId xmlns:a16="http://schemas.microsoft.com/office/drawing/2014/main" id="{5DC6EE58-4DF9-4D00-BBCB-F4F755932B60}"/>
+                <a16:creationId xmlns:a16="http://schemas.microsoft.com/office/drawing/2014/main" id="{BC9AFC07-C055-4F6C-8289-01E981A07676}"/>
+              </a:ext>
+              <a:ext uri="{C183D7F6-B498-43B3-948B-1728B52AA6E4}">
+                <adec:decorative xmlns:adec="http://schemas.microsoft.com/office/drawing/2017/decorative" val="1"/>
               </a:ext>
             </a:extLst>
           </p:cNvPr>
-          <p:cNvSpPr/>
-          <p:nvPr/>
-        </p:nvSpPr>
-        <p:spPr>
-          <a:xfrm>
-            <a:off x="3667125" y="3505200"/>
-            <a:ext cx="962025" cy="790575"/>
+          <p:cNvSpPr>
+            <a:spLocks noGrp="1" noRot="1" noChangeAspect="1" noMove="1" noResize="1" noEditPoints="1" noAdjustHandles="1" noChangeArrowheads="1" noChangeShapeType="1" noTextEdit="1"/>
+          </p:cNvSpPr>
+          <p:nvPr>
+            <p:extLst>
+              <p:ext uri="{386F3935-93C4-4BCD-93E2-E3B085C9AB24}">
+                <p16:designElem xmlns:p16="http://schemas.microsoft.com/office/powerpoint/2015/main" val="1"/>
+              </p:ext>
+            </p:extLst>
+          </p:nvPr>
+        </p:nvSpPr>
+        <p:spPr>
+          <a:xfrm>
+            <a:off x="11292840" y="0"/>
+            <a:ext cx="914400" cy="6858000"/>
           </a:xfrm>
           <a:prstGeom prst="rect">
             <a:avLst/>
           </a:prstGeom>
-          <a:noFill/>
-          <a:ln w="60325">
-            <a:solidFill>
-              <a:srgbClr val="FF0000"/>
-            </a:solidFill>
+          <a:solidFill>
+            <a:schemeClr val="tx2">
+              <a:lumMod val="75000"/>
+              <a:alpha val="90000"/>
+            </a:schemeClr>
+          </a:solidFill>
+          <a:ln>
+            <a:noFill/>
           </a:ln>
         </p:spPr>
         <p:style>
@@ -5263,443 +5979,11 @@
             <a:schemeClr val="lt1"/>
           </a:fontRef>
         </p:style>
-        <p:txBody>
-          <a:bodyPr rtlCol="0" anchor="ctr"/>
-          <a:lstStyle/>
-          <a:p>
-            <a:pPr algn="ctr"/>
-            <a:endParaRPr lang="en-US"/>
-          </a:p>
-        </p:txBody>
-      </p:sp>
-      <p:sp>
-        <p:nvSpPr>
-          <p:cNvPr id="20" name="Rectangle 19">
-            <a:extLst>
-              <a:ext uri="{FF2B5EF4-FFF2-40B4-BE49-F238E27FC236}">
-                <a16:creationId xmlns:a16="http://schemas.microsoft.com/office/drawing/2014/main" id="{CDE212C8-C43C-4BE5-B964-21509C2B4C62}"/>
-              </a:ext>
-            </a:extLst>
-          </p:cNvPr>
-          <p:cNvSpPr/>
-          <p:nvPr/>
-        </p:nvSpPr>
-        <p:spPr>
-          <a:xfrm>
-            <a:off x="9551193" y="3476625"/>
-            <a:ext cx="962025" cy="790575"/>
-          </a:xfrm>
-          <a:prstGeom prst="rect">
-            <a:avLst/>
-          </a:prstGeom>
-          <a:noFill/>
-          <a:ln w="60325">
-            <a:solidFill>
-              <a:srgbClr val="FF0000"/>
-            </a:solidFill>
-          </a:ln>
-        </p:spPr>
-        <p:style>
-          <a:lnRef idx="2">
-            <a:schemeClr val="accent1">
-              <a:shade val="50000"/>
-            </a:schemeClr>
-          </a:lnRef>
-          <a:fillRef idx="1">
-            <a:schemeClr val="accent1"/>
-          </a:fillRef>
-          <a:effectRef idx="0">
-            <a:schemeClr val="accent1"/>
-          </a:effectRef>
-          <a:fontRef idx="minor">
-            <a:schemeClr val="lt1"/>
-          </a:fontRef>
-        </p:style>
-        <p:txBody>
-          <a:bodyPr rtlCol="0" anchor="ctr"/>
-          <a:lstStyle/>
-          <a:p>
-            <a:pPr algn="ctr"/>
-            <a:endParaRPr lang="en-US"/>
-          </a:p>
-        </p:txBody>
-      </p:sp>
-      <p:sp>
-        <p:nvSpPr>
-          <p:cNvPr id="21" name="Rectangle 20">
-            <a:extLst>
-              <a:ext uri="{FF2B5EF4-FFF2-40B4-BE49-F238E27FC236}">
-                <a16:creationId xmlns:a16="http://schemas.microsoft.com/office/drawing/2014/main" id="{3D3218F9-2B1E-4439-824B-2E1D82B3C8B3}"/>
-              </a:ext>
-            </a:extLst>
-          </p:cNvPr>
-          <p:cNvSpPr/>
-          <p:nvPr/>
-        </p:nvSpPr>
-        <p:spPr>
-          <a:xfrm>
-            <a:off x="3186112" y="2471736"/>
-            <a:ext cx="962025" cy="790575"/>
-          </a:xfrm>
-          <a:prstGeom prst="rect">
-            <a:avLst/>
-          </a:prstGeom>
-          <a:noFill/>
-          <a:ln w="60325">
-            <a:solidFill>
-              <a:srgbClr val="FF0000"/>
-            </a:solidFill>
-          </a:ln>
-        </p:spPr>
-        <p:style>
-          <a:lnRef idx="2">
-            <a:schemeClr val="accent1">
-              <a:shade val="50000"/>
-            </a:schemeClr>
-          </a:lnRef>
-          <a:fillRef idx="1">
-            <a:schemeClr val="accent1"/>
-          </a:fillRef>
-          <a:effectRef idx="0">
-            <a:schemeClr val="accent1"/>
-          </a:effectRef>
-          <a:fontRef idx="minor">
-            <a:schemeClr val="lt1"/>
-          </a:fontRef>
-        </p:style>
-        <p:txBody>
-          <a:bodyPr rtlCol="0" anchor="ctr"/>
-          <a:lstStyle/>
-          <a:p>
-            <a:pPr algn="ctr"/>
-            <a:endParaRPr lang="en-US"/>
-          </a:p>
-        </p:txBody>
-      </p:sp>
-      <p:sp>
-        <p:nvSpPr>
-          <p:cNvPr id="22" name="Rectangle 21">
-            <a:extLst>
-              <a:ext uri="{FF2B5EF4-FFF2-40B4-BE49-F238E27FC236}">
-                <a16:creationId xmlns:a16="http://schemas.microsoft.com/office/drawing/2014/main" id="{61A77371-CF40-4A6F-9196-6EF272D9B64D}"/>
-              </a:ext>
-            </a:extLst>
-          </p:cNvPr>
-          <p:cNvSpPr/>
-          <p:nvPr/>
-        </p:nvSpPr>
-        <p:spPr>
-          <a:xfrm>
-            <a:off x="9097327" y="2479119"/>
-            <a:ext cx="962025" cy="790575"/>
-          </a:xfrm>
-          <a:prstGeom prst="rect">
-            <a:avLst/>
-          </a:prstGeom>
-          <a:noFill/>
-          <a:ln w="60325">
-            <a:solidFill>
-              <a:srgbClr val="FF0000"/>
-            </a:solidFill>
-          </a:ln>
-        </p:spPr>
-        <p:style>
-          <a:lnRef idx="2">
-            <a:schemeClr val="accent1">
-              <a:shade val="50000"/>
-            </a:schemeClr>
-          </a:lnRef>
-          <a:fillRef idx="1">
-            <a:schemeClr val="accent1"/>
-          </a:fillRef>
-          <a:effectRef idx="0">
-            <a:schemeClr val="accent1"/>
-          </a:effectRef>
-          <a:fontRef idx="minor">
-            <a:schemeClr val="lt1"/>
-          </a:fontRef>
-        </p:style>
-        <p:txBody>
-          <a:bodyPr rtlCol="0" anchor="ctr"/>
-          <a:lstStyle/>
-          <a:p>
-            <a:pPr algn="ctr"/>
-            <a:endParaRPr lang="en-US"/>
-          </a:p>
-        </p:txBody>
-      </p:sp>
-      <p:sp>
-        <p:nvSpPr>
-          <p:cNvPr id="23" name="Rectangle 22">
-            <a:extLst>
-              <a:ext uri="{FF2B5EF4-FFF2-40B4-BE49-F238E27FC236}">
-                <a16:creationId xmlns:a16="http://schemas.microsoft.com/office/drawing/2014/main" id="{0650341D-A992-4AF5-B4FF-E375DE41D416}"/>
-              </a:ext>
-            </a:extLst>
-          </p:cNvPr>
-          <p:cNvSpPr/>
-          <p:nvPr/>
-        </p:nvSpPr>
-        <p:spPr>
-          <a:xfrm>
-            <a:off x="6447237" y="3096158"/>
-            <a:ext cx="454577" cy="332305"/>
-          </a:xfrm>
-          <a:prstGeom prst="rect">
-            <a:avLst/>
-          </a:prstGeom>
-          <a:noFill/>
-          <a:ln w="60325">
-            <a:solidFill>
-              <a:srgbClr val="FF0000"/>
-            </a:solidFill>
-          </a:ln>
-        </p:spPr>
-        <p:style>
-          <a:lnRef idx="2">
-            <a:schemeClr val="accent1">
-              <a:shade val="50000"/>
-            </a:schemeClr>
-          </a:lnRef>
-          <a:fillRef idx="1">
-            <a:schemeClr val="accent1"/>
-          </a:fillRef>
-          <a:effectRef idx="0">
-            <a:schemeClr val="accent1"/>
-          </a:effectRef>
-          <a:fontRef idx="minor">
-            <a:schemeClr val="lt1"/>
-          </a:fontRef>
-        </p:style>
-        <p:txBody>
-          <a:bodyPr rtlCol="0" anchor="ctr"/>
-          <a:lstStyle/>
-          <a:p>
-            <a:pPr algn="ctr"/>
-            <a:endParaRPr lang="en-US"/>
-          </a:p>
-        </p:txBody>
-      </p:sp>
-      <p:sp>
-        <p:nvSpPr>
-          <p:cNvPr id="24" name="Rectangle 23">
-            <a:extLst>
-              <a:ext uri="{FF2B5EF4-FFF2-40B4-BE49-F238E27FC236}">
-                <a16:creationId xmlns:a16="http://schemas.microsoft.com/office/drawing/2014/main" id="{4258E148-20C7-4C54-914D-EA93C9C47271}"/>
-              </a:ext>
-            </a:extLst>
-          </p:cNvPr>
-          <p:cNvSpPr/>
-          <p:nvPr/>
-        </p:nvSpPr>
-        <p:spPr>
-          <a:xfrm>
-            <a:off x="488397" y="3086632"/>
-            <a:ext cx="454577" cy="332305"/>
-          </a:xfrm>
-          <a:prstGeom prst="rect">
-            <a:avLst/>
-          </a:prstGeom>
-          <a:noFill/>
-          <a:ln w="60325">
-            <a:solidFill>
-              <a:srgbClr val="FF0000"/>
-            </a:solidFill>
-          </a:ln>
-        </p:spPr>
-        <p:style>
-          <a:lnRef idx="2">
-            <a:schemeClr val="accent1">
-              <a:shade val="50000"/>
-            </a:schemeClr>
-          </a:lnRef>
-          <a:fillRef idx="1">
-            <a:schemeClr val="accent1"/>
-          </a:fillRef>
-          <a:effectRef idx="0">
-            <a:schemeClr val="accent1"/>
-          </a:effectRef>
-          <a:fontRef idx="minor">
-            <a:schemeClr val="lt1"/>
-          </a:fontRef>
-        </p:style>
-        <p:txBody>
-          <a:bodyPr rtlCol="0" anchor="ctr"/>
-          <a:lstStyle/>
-          <a:p>
-            <a:pPr algn="ctr"/>
-            <a:endParaRPr lang="en-US"/>
-          </a:p>
-        </p:txBody>
-      </p:sp>
-      <p:sp>
-        <p:nvSpPr>
-          <p:cNvPr id="3" name="TextBox 2">
-            <a:extLst>
-              <a:ext uri="{FF2B5EF4-FFF2-40B4-BE49-F238E27FC236}">
-                <a16:creationId xmlns:a16="http://schemas.microsoft.com/office/drawing/2014/main" id="{DD7C6C88-1955-4228-ABE8-8E131FFF562C}"/>
-              </a:ext>
-            </a:extLst>
-          </p:cNvPr>
-          <p:cNvSpPr txBox="1"/>
-          <p:nvPr/>
-        </p:nvSpPr>
-        <p:spPr>
-          <a:xfrm>
-            <a:off x="295275" y="5540931"/>
-            <a:ext cx="9980578" cy="923330"/>
-          </a:xfrm>
-          <a:prstGeom prst="rect">
-            <a:avLst/>
-          </a:prstGeom>
-          <a:noFill/>
-        </p:spPr>
-        <p:txBody>
-          <a:bodyPr wrap="square" rtlCol="0">
-            <a:spAutoFit/>
-          </a:bodyPr>
-          <a:lstStyle/>
-          <a:p>
-            <a:r>
-              <a:rPr lang="en-US" dirty="0"/>
-              <a:t>As expected, the gross number of pills distributed is highest in urban areas but once the population is taken into account, the per capita concentrations tend to increase in the surrounding counties.</a:t>
-            </a:r>
-          </a:p>
-        </p:txBody>
       </p:sp>
     </p:spTree>
     <p:extLst>
       <p:ext uri="{BB962C8B-B14F-4D97-AF65-F5344CB8AC3E}">
-        <p14:creationId xmlns:p14="http://schemas.microsoft.com/office/powerpoint/2010/main" val="1758566642"/>
-      </p:ext>
-    </p:extLst>
-  </p:cSld>
-  <p:clrMapOvr>
-    <a:masterClrMapping/>
-  </p:clrMapOvr>
-</p:sld>
-</file>
-
-<file path=ppt/slides/slide6.xml><?xml version="1.0" encoding="utf-8"?>
-<p:sld xmlns:a="http://schemas.openxmlformats.org/drawingml/2006/main" xmlns:r="http://schemas.openxmlformats.org/officeDocument/2006/relationships" xmlns:p="http://schemas.openxmlformats.org/presentationml/2006/main">
-  <p:cSld>
-    <p:spTree>
-      <p:nvGrpSpPr>
-        <p:cNvPr id="1" name=""/>
-        <p:cNvGrpSpPr/>
-        <p:nvPr/>
-      </p:nvGrpSpPr>
-      <p:grpSpPr>
-        <a:xfrm>
-          <a:off x="0" y="0"/>
-          <a:ext cx="0" cy="0"/>
-          <a:chOff x="0" y="0"/>
-          <a:chExt cx="0" cy="0"/>
-        </a:xfrm>
-      </p:grpSpPr>
-      <p:sp>
-        <p:nvSpPr>
-          <p:cNvPr id="2" name="Title 1">
-            <a:extLst>
-              <a:ext uri="{FF2B5EF4-FFF2-40B4-BE49-F238E27FC236}">
-                <a16:creationId xmlns:a16="http://schemas.microsoft.com/office/drawing/2014/main" id="{4FB99FCE-194F-43B9-9775-7D2EC1E961EB}"/>
-              </a:ext>
-            </a:extLst>
-          </p:cNvPr>
-          <p:cNvSpPr>
-            <a:spLocks noGrp="1"/>
-          </p:cNvSpPr>
-          <p:nvPr>
-            <p:ph type="title"/>
-          </p:nvPr>
-        </p:nvSpPr>
-        <p:spPr>
-          <a:xfrm>
-            <a:off x="0" y="15082"/>
-            <a:ext cx="9692640" cy="934829"/>
-          </a:xfrm>
-        </p:spPr>
-        <p:txBody>
-          <a:bodyPr/>
-          <a:lstStyle/>
-          <a:p>
-            <a:r>
-              <a:rPr lang="en-US" dirty="0"/>
-              <a:t>Analysis</a:t>
-            </a:r>
-          </a:p>
-        </p:txBody>
-      </p:sp>
-      <p:pic>
-        <p:nvPicPr>
-          <p:cNvPr id="21" name="Picture 20">
-            <a:extLst>
-              <a:ext uri="{FF2B5EF4-FFF2-40B4-BE49-F238E27FC236}">
-                <a16:creationId xmlns:a16="http://schemas.microsoft.com/office/drawing/2014/main" id="{691CAE4B-ADCD-41C7-992C-ADB8F49C4D28}"/>
-              </a:ext>
-            </a:extLst>
-          </p:cNvPr>
-          <p:cNvPicPr>
-            <a:picLocks noChangeAspect="1"/>
-          </p:cNvPicPr>
-          <p:nvPr/>
-        </p:nvPicPr>
-        <p:blipFill>
-          <a:blip r:embed="rId2"/>
-          <a:stretch>
-            <a:fillRect/>
-          </a:stretch>
-        </p:blipFill>
-        <p:spPr>
-          <a:xfrm>
-            <a:off x="535982" y="1502714"/>
-            <a:ext cx="3606810" cy="3287518"/>
-          </a:xfrm>
-          <a:prstGeom prst="rect">
-            <a:avLst/>
-          </a:prstGeom>
-        </p:spPr>
-      </p:pic>
-      <p:pic>
-        <p:nvPicPr>
-          <p:cNvPr id="23" name="Picture 22" descr="A screenshot of a cell phone&#10;&#10;Description automatically generated">
-            <a:extLst>
-              <a:ext uri="{FF2B5EF4-FFF2-40B4-BE49-F238E27FC236}">
-                <a16:creationId xmlns:a16="http://schemas.microsoft.com/office/drawing/2014/main" id="{42CDCDD7-81B8-4C10-B0A2-5AB83ADA8CA4}"/>
-              </a:ext>
-            </a:extLst>
-          </p:cNvPr>
-          <p:cNvPicPr>
-            <a:picLocks noChangeAspect="1"/>
-          </p:cNvPicPr>
-          <p:nvPr/>
-        </p:nvPicPr>
-        <p:blipFill>
-          <a:blip r:embed="rId3">
-            <a:extLst>
-              <a:ext uri="{28A0092B-C50C-407E-A947-70E740481C1C}">
-                <a14:useLocalDpi xmlns:a14="http://schemas.microsoft.com/office/drawing/2010/main" val="0"/>
-              </a:ext>
-            </a:extLst>
-          </a:blip>
-          <a:stretch>
-            <a:fillRect/>
-          </a:stretch>
-        </p:blipFill>
-        <p:spPr>
-          <a:xfrm>
-            <a:off x="4846319" y="-1"/>
-            <a:ext cx="6702357" cy="6702357"/>
-          </a:xfrm>
-          <a:prstGeom prst="rect">
-            <a:avLst/>
-          </a:prstGeom>
-        </p:spPr>
-      </p:pic>
-    </p:spTree>
-    <p:extLst>
-      <p:ext uri="{BB962C8B-B14F-4D97-AF65-F5344CB8AC3E}">
-        <p14:creationId xmlns:p14="http://schemas.microsoft.com/office/powerpoint/2010/main" val="1375572265"/>
+        <p14:creationId xmlns:p14="http://schemas.microsoft.com/office/powerpoint/2010/main" val="306266705"/>
       </p:ext>
     </p:extLst>
   </p:cSld>
@@ -5754,17 +6038,51 @@
           <a:p>
             <a:r>
               <a:rPr lang="en-US" dirty="0"/>
-              <a:t>Analysis</a:t>
+              <a:t>Analysis – total dosage per capita</a:t>
             </a:r>
           </a:p>
         </p:txBody>
       </p:sp>
       <p:pic>
         <p:nvPicPr>
-          <p:cNvPr id="5" name="Picture 4" descr="A screenshot of a cell phone&#10;&#10;Description automatically generated">
+          <p:cNvPr id="9" name="Content Placeholder 8">
             <a:extLst>
               <a:ext uri="{FF2B5EF4-FFF2-40B4-BE49-F238E27FC236}">
-                <a16:creationId xmlns:a16="http://schemas.microsoft.com/office/drawing/2014/main" id="{FF5F10ED-7755-455E-A7EB-BB2538D6568E}"/>
+                <a16:creationId xmlns:a16="http://schemas.microsoft.com/office/drawing/2014/main" id="{A9649A69-6D4A-4CFB-A525-13A0407C85A1}"/>
+              </a:ext>
+            </a:extLst>
+          </p:cNvPr>
+          <p:cNvPicPr>
+            <a:picLocks noGrp="1" noChangeAspect="1"/>
+          </p:cNvPicPr>
+          <p:nvPr>
+            <p:ph idx="1"/>
+          </p:nvPr>
+        </p:nvPicPr>
+        <p:blipFill rotWithShape="1">
+          <a:blip r:embed="rId2">
+            <a:extLst>
+              <a:ext uri="{28A0092B-C50C-407E-A947-70E740481C1C}">
+                <a14:useLocalDpi xmlns:a14="http://schemas.microsoft.com/office/drawing/2010/main" val="0"/>
+              </a:ext>
+            </a:extLst>
+          </a:blip>
+          <a:srcRect l="23479" t="8216" r="23367" b="3742"/>
+          <a:stretch/>
+        </p:blipFill>
+        <p:spPr>
+          <a:xfrm>
+            <a:off x="295275" y="1524000"/>
+            <a:ext cx="4600575" cy="3810001"/>
+          </a:xfrm>
+        </p:spPr>
+      </p:pic>
+      <p:pic>
+        <p:nvPicPr>
+          <p:cNvPr id="15" name="Picture 14" descr="A close up of a logo&#10;&#10;Description automatically generated">
+            <a:extLst>
+              <a:ext uri="{FF2B5EF4-FFF2-40B4-BE49-F238E27FC236}">
+                <a16:creationId xmlns:a16="http://schemas.microsoft.com/office/drawing/2014/main" id="{0516FC78-F8B8-4B0C-A5B3-6912ABBBE0DD}"/>
               </a:ext>
             </a:extLst>
           </p:cNvPr>
@@ -5773,68 +6091,448 @@
           </p:cNvPicPr>
           <p:nvPr/>
         </p:nvPicPr>
-        <p:blipFill>
-          <a:blip r:embed="rId2">
+        <p:blipFill rotWithShape="1">
+          <a:blip r:embed="rId3">
             <a:extLst>
               <a:ext uri="{28A0092B-C50C-407E-A947-70E740481C1C}">
                 <a14:useLocalDpi xmlns:a14="http://schemas.microsoft.com/office/drawing/2010/main" val="0"/>
               </a:ext>
             </a:extLst>
           </a:blip>
-          <a:stretch>
-            <a:fillRect/>
-          </a:stretch>
+          <a:srcRect l="24444" t="7778" r="24889" b="3333"/>
+          <a:stretch/>
         </p:blipFill>
         <p:spPr>
           <a:xfrm>
-            <a:off x="5887087" y="1567543"/>
-            <a:ext cx="5283785" cy="3522523"/>
+            <a:off x="6343650" y="1523999"/>
+            <a:ext cx="4343400" cy="3810001"/>
           </a:xfrm>
           <a:prstGeom prst="rect">
             <a:avLst/>
           </a:prstGeom>
         </p:spPr>
       </p:pic>
-      <p:pic>
-        <p:nvPicPr>
-          <p:cNvPr id="8" name="Picture 7" descr="A screenshot of a cell phone&#10;&#10;Description automatically generated">
+      <p:sp>
+        <p:nvSpPr>
+          <p:cNvPr id="16" name="TextBox 15">
             <a:extLst>
               <a:ext uri="{FF2B5EF4-FFF2-40B4-BE49-F238E27FC236}">
-                <a16:creationId xmlns:a16="http://schemas.microsoft.com/office/drawing/2014/main" id="{2FAD190F-C33D-401F-AE88-A56288273955}"/>
+                <a16:creationId xmlns:a16="http://schemas.microsoft.com/office/drawing/2014/main" id="{810B034D-B8A7-453B-9EFF-50CBCE48FC9E}"/>
               </a:ext>
             </a:extLst>
           </p:cNvPr>
-          <p:cNvPicPr>
-            <a:picLocks noChangeAspect="1"/>
-          </p:cNvPicPr>
+          <p:cNvSpPr txBox="1"/>
           <p:nvPr/>
-        </p:nvPicPr>
-        <p:blipFill>
-          <a:blip r:embed="rId3">
-            <a:extLst>
-              <a:ext uri="{28A0092B-C50C-407E-A947-70E740481C1C}">
-                <a14:useLocalDpi xmlns:a14="http://schemas.microsoft.com/office/drawing/2010/main" val="0"/>
-              </a:ext>
-            </a:extLst>
-          </a:blip>
-          <a:stretch>
-            <a:fillRect/>
-          </a:stretch>
-        </p:blipFill>
-        <p:spPr>
-          <a:xfrm>
-            <a:off x="243192" y="1567543"/>
-            <a:ext cx="5185812" cy="3457208"/>
+        </p:nvSpPr>
+        <p:spPr>
+          <a:xfrm>
+            <a:off x="942974" y="1057276"/>
+            <a:ext cx="3305175" cy="369332"/>
           </a:xfrm>
           <a:prstGeom prst="rect">
             <a:avLst/>
           </a:prstGeom>
-        </p:spPr>
-      </p:pic>
+          <a:noFill/>
+        </p:spPr>
+        <p:txBody>
+          <a:bodyPr wrap="square" rtlCol="0">
+            <a:spAutoFit/>
+          </a:bodyPr>
+          <a:lstStyle/>
+          <a:p>
+            <a:r>
+              <a:rPr lang="en-US" dirty="0"/>
+              <a:t>Total Opiate Dosage Ordered</a:t>
+            </a:r>
+          </a:p>
+        </p:txBody>
+      </p:sp>
+      <p:sp>
+        <p:nvSpPr>
+          <p:cNvPr id="17" name="TextBox 16">
+            <a:extLst>
+              <a:ext uri="{FF2B5EF4-FFF2-40B4-BE49-F238E27FC236}">
+                <a16:creationId xmlns:a16="http://schemas.microsoft.com/office/drawing/2014/main" id="{D45C3EE8-7CCF-4976-BB7B-1D9DDDE5141B}"/>
+              </a:ext>
+            </a:extLst>
+          </p:cNvPr>
+          <p:cNvSpPr txBox="1"/>
+          <p:nvPr/>
+        </p:nvSpPr>
+        <p:spPr>
+          <a:xfrm>
+            <a:off x="6517481" y="1057276"/>
+            <a:ext cx="3995737" cy="369332"/>
+          </a:xfrm>
+          <a:prstGeom prst="rect">
+            <a:avLst/>
+          </a:prstGeom>
+          <a:noFill/>
+        </p:spPr>
+        <p:txBody>
+          <a:bodyPr wrap="square" rtlCol="0">
+            <a:spAutoFit/>
+          </a:bodyPr>
+          <a:lstStyle/>
+          <a:p>
+            <a:r>
+              <a:rPr lang="en-US" dirty="0"/>
+              <a:t>Per Capita Opiate Dosage Ordered</a:t>
+            </a:r>
+          </a:p>
+        </p:txBody>
+      </p:sp>
+      <p:sp>
+        <p:nvSpPr>
+          <p:cNvPr id="18" name="Rectangle 17">
+            <a:extLst>
+              <a:ext uri="{FF2B5EF4-FFF2-40B4-BE49-F238E27FC236}">
+                <a16:creationId xmlns:a16="http://schemas.microsoft.com/office/drawing/2014/main" id="{5DC6EE58-4DF9-4D00-BBCB-F4F755932B60}"/>
+              </a:ext>
+            </a:extLst>
+          </p:cNvPr>
+          <p:cNvSpPr/>
+          <p:nvPr/>
+        </p:nvSpPr>
+        <p:spPr>
+          <a:xfrm>
+            <a:off x="3667125" y="3505200"/>
+            <a:ext cx="962025" cy="790575"/>
+          </a:xfrm>
+          <a:prstGeom prst="rect">
+            <a:avLst/>
+          </a:prstGeom>
+          <a:noFill/>
+          <a:ln w="60325">
+            <a:solidFill>
+              <a:srgbClr val="FF0000"/>
+            </a:solidFill>
+          </a:ln>
+        </p:spPr>
+        <p:style>
+          <a:lnRef idx="2">
+            <a:schemeClr val="accent1">
+              <a:shade val="50000"/>
+            </a:schemeClr>
+          </a:lnRef>
+          <a:fillRef idx="1">
+            <a:schemeClr val="accent1"/>
+          </a:fillRef>
+          <a:effectRef idx="0">
+            <a:schemeClr val="accent1"/>
+          </a:effectRef>
+          <a:fontRef idx="minor">
+            <a:schemeClr val="lt1"/>
+          </a:fontRef>
+        </p:style>
+        <p:txBody>
+          <a:bodyPr rtlCol="0" anchor="ctr"/>
+          <a:lstStyle/>
+          <a:p>
+            <a:pPr algn="ctr"/>
+            <a:endParaRPr lang="en-US"/>
+          </a:p>
+        </p:txBody>
+      </p:sp>
+      <p:sp>
+        <p:nvSpPr>
+          <p:cNvPr id="20" name="Rectangle 19">
+            <a:extLst>
+              <a:ext uri="{FF2B5EF4-FFF2-40B4-BE49-F238E27FC236}">
+                <a16:creationId xmlns:a16="http://schemas.microsoft.com/office/drawing/2014/main" id="{CDE212C8-C43C-4BE5-B964-21509C2B4C62}"/>
+              </a:ext>
+            </a:extLst>
+          </p:cNvPr>
+          <p:cNvSpPr/>
+          <p:nvPr/>
+        </p:nvSpPr>
+        <p:spPr>
+          <a:xfrm>
+            <a:off x="9551193" y="3476625"/>
+            <a:ext cx="962025" cy="790575"/>
+          </a:xfrm>
+          <a:prstGeom prst="rect">
+            <a:avLst/>
+          </a:prstGeom>
+          <a:noFill/>
+          <a:ln w="60325">
+            <a:solidFill>
+              <a:srgbClr val="FF0000"/>
+            </a:solidFill>
+          </a:ln>
+        </p:spPr>
+        <p:style>
+          <a:lnRef idx="2">
+            <a:schemeClr val="accent1">
+              <a:shade val="50000"/>
+            </a:schemeClr>
+          </a:lnRef>
+          <a:fillRef idx="1">
+            <a:schemeClr val="accent1"/>
+          </a:fillRef>
+          <a:effectRef idx="0">
+            <a:schemeClr val="accent1"/>
+          </a:effectRef>
+          <a:fontRef idx="minor">
+            <a:schemeClr val="lt1"/>
+          </a:fontRef>
+        </p:style>
+        <p:txBody>
+          <a:bodyPr rtlCol="0" anchor="ctr"/>
+          <a:lstStyle/>
+          <a:p>
+            <a:pPr algn="ctr"/>
+            <a:endParaRPr lang="en-US"/>
+          </a:p>
+        </p:txBody>
+      </p:sp>
+      <p:sp>
+        <p:nvSpPr>
+          <p:cNvPr id="21" name="Rectangle 20">
+            <a:extLst>
+              <a:ext uri="{FF2B5EF4-FFF2-40B4-BE49-F238E27FC236}">
+                <a16:creationId xmlns:a16="http://schemas.microsoft.com/office/drawing/2014/main" id="{3D3218F9-2B1E-4439-824B-2E1D82B3C8B3}"/>
+              </a:ext>
+            </a:extLst>
+          </p:cNvPr>
+          <p:cNvSpPr/>
+          <p:nvPr/>
+        </p:nvSpPr>
+        <p:spPr>
+          <a:xfrm>
+            <a:off x="3186112" y="2471736"/>
+            <a:ext cx="962025" cy="790575"/>
+          </a:xfrm>
+          <a:prstGeom prst="rect">
+            <a:avLst/>
+          </a:prstGeom>
+          <a:noFill/>
+          <a:ln w="60325">
+            <a:solidFill>
+              <a:srgbClr val="FF0000"/>
+            </a:solidFill>
+          </a:ln>
+        </p:spPr>
+        <p:style>
+          <a:lnRef idx="2">
+            <a:schemeClr val="accent1">
+              <a:shade val="50000"/>
+            </a:schemeClr>
+          </a:lnRef>
+          <a:fillRef idx="1">
+            <a:schemeClr val="accent1"/>
+          </a:fillRef>
+          <a:effectRef idx="0">
+            <a:schemeClr val="accent1"/>
+          </a:effectRef>
+          <a:fontRef idx="minor">
+            <a:schemeClr val="lt1"/>
+          </a:fontRef>
+        </p:style>
+        <p:txBody>
+          <a:bodyPr rtlCol="0" anchor="ctr"/>
+          <a:lstStyle/>
+          <a:p>
+            <a:pPr algn="ctr"/>
+            <a:endParaRPr lang="en-US"/>
+          </a:p>
+        </p:txBody>
+      </p:sp>
+      <p:sp>
+        <p:nvSpPr>
+          <p:cNvPr id="22" name="Rectangle 21">
+            <a:extLst>
+              <a:ext uri="{FF2B5EF4-FFF2-40B4-BE49-F238E27FC236}">
+                <a16:creationId xmlns:a16="http://schemas.microsoft.com/office/drawing/2014/main" id="{61A77371-CF40-4A6F-9196-6EF272D9B64D}"/>
+              </a:ext>
+            </a:extLst>
+          </p:cNvPr>
+          <p:cNvSpPr/>
+          <p:nvPr/>
+        </p:nvSpPr>
+        <p:spPr>
+          <a:xfrm>
+            <a:off x="9097327" y="2479119"/>
+            <a:ext cx="962025" cy="790575"/>
+          </a:xfrm>
+          <a:prstGeom prst="rect">
+            <a:avLst/>
+          </a:prstGeom>
+          <a:noFill/>
+          <a:ln w="60325">
+            <a:solidFill>
+              <a:srgbClr val="FF0000"/>
+            </a:solidFill>
+          </a:ln>
+        </p:spPr>
+        <p:style>
+          <a:lnRef idx="2">
+            <a:schemeClr val="accent1">
+              <a:shade val="50000"/>
+            </a:schemeClr>
+          </a:lnRef>
+          <a:fillRef idx="1">
+            <a:schemeClr val="accent1"/>
+          </a:fillRef>
+          <a:effectRef idx="0">
+            <a:schemeClr val="accent1"/>
+          </a:effectRef>
+          <a:fontRef idx="minor">
+            <a:schemeClr val="lt1"/>
+          </a:fontRef>
+        </p:style>
+        <p:txBody>
+          <a:bodyPr rtlCol="0" anchor="ctr"/>
+          <a:lstStyle/>
+          <a:p>
+            <a:pPr algn="ctr"/>
+            <a:endParaRPr lang="en-US"/>
+          </a:p>
+        </p:txBody>
+      </p:sp>
+      <p:sp>
+        <p:nvSpPr>
+          <p:cNvPr id="23" name="Rectangle 22">
+            <a:extLst>
+              <a:ext uri="{FF2B5EF4-FFF2-40B4-BE49-F238E27FC236}">
+                <a16:creationId xmlns:a16="http://schemas.microsoft.com/office/drawing/2014/main" id="{0650341D-A992-4AF5-B4FF-E375DE41D416}"/>
+              </a:ext>
+            </a:extLst>
+          </p:cNvPr>
+          <p:cNvSpPr/>
+          <p:nvPr/>
+        </p:nvSpPr>
+        <p:spPr>
+          <a:xfrm>
+            <a:off x="6447237" y="3096158"/>
+            <a:ext cx="454577" cy="332305"/>
+          </a:xfrm>
+          <a:prstGeom prst="rect">
+            <a:avLst/>
+          </a:prstGeom>
+          <a:noFill/>
+          <a:ln w="60325">
+            <a:solidFill>
+              <a:srgbClr val="FF0000"/>
+            </a:solidFill>
+          </a:ln>
+        </p:spPr>
+        <p:style>
+          <a:lnRef idx="2">
+            <a:schemeClr val="accent1">
+              <a:shade val="50000"/>
+            </a:schemeClr>
+          </a:lnRef>
+          <a:fillRef idx="1">
+            <a:schemeClr val="accent1"/>
+          </a:fillRef>
+          <a:effectRef idx="0">
+            <a:schemeClr val="accent1"/>
+          </a:effectRef>
+          <a:fontRef idx="minor">
+            <a:schemeClr val="lt1"/>
+          </a:fontRef>
+        </p:style>
+        <p:txBody>
+          <a:bodyPr rtlCol="0" anchor="ctr"/>
+          <a:lstStyle/>
+          <a:p>
+            <a:pPr algn="ctr"/>
+            <a:endParaRPr lang="en-US"/>
+          </a:p>
+        </p:txBody>
+      </p:sp>
+      <p:sp>
+        <p:nvSpPr>
+          <p:cNvPr id="24" name="Rectangle 23">
+            <a:extLst>
+              <a:ext uri="{FF2B5EF4-FFF2-40B4-BE49-F238E27FC236}">
+                <a16:creationId xmlns:a16="http://schemas.microsoft.com/office/drawing/2014/main" id="{4258E148-20C7-4C54-914D-EA93C9C47271}"/>
+              </a:ext>
+            </a:extLst>
+          </p:cNvPr>
+          <p:cNvSpPr/>
+          <p:nvPr/>
+        </p:nvSpPr>
+        <p:spPr>
+          <a:xfrm>
+            <a:off x="488397" y="3086632"/>
+            <a:ext cx="454577" cy="332305"/>
+          </a:xfrm>
+          <a:prstGeom prst="rect">
+            <a:avLst/>
+          </a:prstGeom>
+          <a:noFill/>
+          <a:ln w="60325">
+            <a:solidFill>
+              <a:srgbClr val="FF0000"/>
+            </a:solidFill>
+          </a:ln>
+        </p:spPr>
+        <p:style>
+          <a:lnRef idx="2">
+            <a:schemeClr val="accent1">
+              <a:shade val="50000"/>
+            </a:schemeClr>
+          </a:lnRef>
+          <a:fillRef idx="1">
+            <a:schemeClr val="accent1"/>
+          </a:fillRef>
+          <a:effectRef idx="0">
+            <a:schemeClr val="accent1"/>
+          </a:effectRef>
+          <a:fontRef idx="minor">
+            <a:schemeClr val="lt1"/>
+          </a:fontRef>
+        </p:style>
+        <p:txBody>
+          <a:bodyPr rtlCol="0" anchor="ctr"/>
+          <a:lstStyle/>
+          <a:p>
+            <a:pPr algn="ctr"/>
+            <a:endParaRPr lang="en-US"/>
+          </a:p>
+        </p:txBody>
+      </p:sp>
+      <p:sp>
+        <p:nvSpPr>
+          <p:cNvPr id="3" name="TextBox 2">
+            <a:extLst>
+              <a:ext uri="{FF2B5EF4-FFF2-40B4-BE49-F238E27FC236}">
+                <a16:creationId xmlns:a16="http://schemas.microsoft.com/office/drawing/2014/main" id="{DD7C6C88-1955-4228-ABE8-8E131FFF562C}"/>
+              </a:ext>
+            </a:extLst>
+          </p:cNvPr>
+          <p:cNvSpPr txBox="1"/>
+          <p:nvPr/>
+        </p:nvSpPr>
+        <p:spPr>
+          <a:xfrm>
+            <a:off x="295275" y="5540931"/>
+            <a:ext cx="9980578" cy="923330"/>
+          </a:xfrm>
+          <a:prstGeom prst="rect">
+            <a:avLst/>
+          </a:prstGeom>
+          <a:noFill/>
+        </p:spPr>
+        <p:txBody>
+          <a:bodyPr wrap="square" rtlCol="0">
+            <a:spAutoFit/>
+          </a:bodyPr>
+          <a:lstStyle/>
+          <a:p>
+            <a:r>
+              <a:rPr lang="en-US" dirty="0"/>
+              <a:t>As expected, the gross number of pills distributed is highest in urban areas but once the population is taken into account, the per capita concentrations tend to increase in the surrounding counties.</a:t>
+            </a:r>
+          </a:p>
+        </p:txBody>
+      </p:sp>
     </p:spTree>
     <p:extLst>
       <p:ext uri="{BB962C8B-B14F-4D97-AF65-F5344CB8AC3E}">
-        <p14:creationId xmlns:p14="http://schemas.microsoft.com/office/powerpoint/2010/main" val="1225465981"/>
+        <p14:creationId xmlns:p14="http://schemas.microsoft.com/office/powerpoint/2010/main" val="1758566642"/>
       </p:ext>
     </p:extLst>
   </p:cSld>
@@ -5894,82 +6592,12 @@
           </a:p>
         </p:txBody>
       </p:sp>
-      <p:sp>
-        <p:nvSpPr>
-          <p:cNvPr id="16" name="TextBox 15">
-            <a:extLst>
-              <a:ext uri="{FF2B5EF4-FFF2-40B4-BE49-F238E27FC236}">
-                <a16:creationId xmlns:a16="http://schemas.microsoft.com/office/drawing/2014/main" id="{810B034D-B8A7-453B-9EFF-50CBCE48FC9E}"/>
-              </a:ext>
-            </a:extLst>
-          </p:cNvPr>
-          <p:cNvSpPr txBox="1"/>
-          <p:nvPr/>
-        </p:nvSpPr>
-        <p:spPr>
-          <a:xfrm>
-            <a:off x="1166498" y="1473855"/>
-            <a:ext cx="3305175" cy="369332"/>
-          </a:xfrm>
-          <a:prstGeom prst="rect">
-            <a:avLst/>
-          </a:prstGeom>
-          <a:noFill/>
-        </p:spPr>
-        <p:txBody>
-          <a:bodyPr wrap="square" rtlCol="0">
-            <a:spAutoFit/>
-          </a:bodyPr>
-          <a:lstStyle/>
-          <a:p>
-            <a:r>
-              <a:rPr lang="en-US" dirty="0"/>
-              <a:t>STEM Jobs vs Pill Quantity</a:t>
-            </a:r>
-          </a:p>
-        </p:txBody>
-      </p:sp>
-      <p:sp>
-        <p:nvSpPr>
-          <p:cNvPr id="17" name="TextBox 16">
-            <a:extLst>
-              <a:ext uri="{FF2B5EF4-FFF2-40B4-BE49-F238E27FC236}">
-                <a16:creationId xmlns:a16="http://schemas.microsoft.com/office/drawing/2014/main" id="{D45C3EE8-7CCF-4976-BB7B-1D9DDDE5141B}"/>
-              </a:ext>
-            </a:extLst>
-          </p:cNvPr>
-          <p:cNvSpPr txBox="1"/>
-          <p:nvPr/>
-        </p:nvSpPr>
-        <p:spPr>
-          <a:xfrm>
-            <a:off x="6380091" y="1424466"/>
-            <a:ext cx="4298468" cy="369332"/>
-          </a:xfrm>
-          <a:prstGeom prst="rect">
-            <a:avLst/>
-          </a:prstGeom>
-          <a:noFill/>
-        </p:spPr>
-        <p:txBody>
-          <a:bodyPr wrap="square" rtlCol="0">
-            <a:spAutoFit/>
-          </a:bodyPr>
-          <a:lstStyle/>
-          <a:p>
-            <a:r>
-              <a:rPr lang="en-US" dirty="0"/>
-              <a:t>Construction Jobs vs. Pill Quantity</a:t>
-            </a:r>
-          </a:p>
-        </p:txBody>
-      </p:sp>
       <p:pic>
         <p:nvPicPr>
-          <p:cNvPr id="4" name="Picture 3" descr="A close up of a map&#10;&#10;Description automatically generated">
+          <p:cNvPr id="21" name="Picture 20">
             <a:extLst>
               <a:ext uri="{FF2B5EF4-FFF2-40B4-BE49-F238E27FC236}">
-                <a16:creationId xmlns:a16="http://schemas.microsoft.com/office/drawing/2014/main" id="{E3CDBC23-9506-424A-8608-B138D9FFCEA9}"/>
+                <a16:creationId xmlns:a16="http://schemas.microsoft.com/office/drawing/2014/main" id="{691CAE4B-ADCD-41C7-992C-ADB8F49C4D28}"/>
               </a:ext>
             </a:extLst>
           </p:cNvPr>
@@ -5979,21 +6607,15 @@
           <p:nvPr/>
         </p:nvPicPr>
         <p:blipFill>
-          <a:blip r:embed="rId2">
-            <a:extLst>
-              <a:ext uri="{28A0092B-C50C-407E-A947-70E740481C1C}">
-                <a14:useLocalDpi xmlns:a14="http://schemas.microsoft.com/office/drawing/2010/main" val="0"/>
-              </a:ext>
-            </a:extLst>
-          </a:blip>
+          <a:blip r:embed="rId2"/>
           <a:stretch>
             <a:fillRect/>
           </a:stretch>
         </p:blipFill>
         <p:spPr>
           <a:xfrm>
-            <a:off x="5890102" y="1495442"/>
-            <a:ext cx="5135400" cy="3423600"/>
+            <a:off x="535982" y="1502714"/>
+            <a:ext cx="3606810" cy="3287518"/>
           </a:xfrm>
           <a:prstGeom prst="rect">
             <a:avLst/>
@@ -6002,10 +6624,10 @@
       </p:pic>
       <p:pic>
         <p:nvPicPr>
-          <p:cNvPr id="7" name="Picture 6" descr="A screenshot of a cell phone&#10;&#10;Description automatically generated">
+          <p:cNvPr id="23" name="Picture 22" descr="A screenshot of a cell phone&#10;&#10;Description automatically generated">
             <a:extLst>
               <a:ext uri="{FF2B5EF4-FFF2-40B4-BE49-F238E27FC236}">
-                <a16:creationId xmlns:a16="http://schemas.microsoft.com/office/drawing/2014/main" id="{A3608074-66C1-4E5C-83F7-F9D637AAF7D3}"/>
+                <a16:creationId xmlns:a16="http://schemas.microsoft.com/office/drawing/2014/main" id="{42CDCDD7-81B8-4C10-B0A2-5AB83ADA8CA4}"/>
               </a:ext>
             </a:extLst>
           </p:cNvPr>
@@ -6028,8 +6650,8 @@
         </p:blipFill>
         <p:spPr>
           <a:xfrm>
-            <a:off x="161106" y="1565840"/>
-            <a:ext cx="5029803" cy="3353202"/>
+            <a:off x="4846319" y="-1"/>
+            <a:ext cx="6702357" cy="6702357"/>
           </a:xfrm>
           <a:prstGeom prst="rect">
             <a:avLst/>
@@ -6039,7 +6661,7 @@
     </p:spTree>
     <p:extLst>
       <p:ext uri="{BB962C8B-B14F-4D97-AF65-F5344CB8AC3E}">
-        <p14:creationId xmlns:p14="http://schemas.microsoft.com/office/powerpoint/2010/main" val="2645610964"/>
+        <p14:creationId xmlns:p14="http://schemas.microsoft.com/office/powerpoint/2010/main" val="1375572265"/>
       </p:ext>
     </p:extLst>
   </p:cSld>
@@ -6084,8 +6706,8 @@
         </p:nvSpPr>
         <p:spPr>
           <a:xfrm>
-            <a:off x="638175" y="-66675"/>
-            <a:ext cx="2400300" cy="934829"/>
+            <a:off x="0" y="15082"/>
+            <a:ext cx="9692640" cy="934829"/>
           </a:xfrm>
         </p:spPr>
         <p:txBody>
@@ -6101,19 +6723,17 @@
       </p:sp>
       <p:pic>
         <p:nvPicPr>
-          <p:cNvPr id="7" name="Content Placeholder 6" descr="A close up of text on a white background&#10;&#10;Description automatically generated">
+          <p:cNvPr id="5" name="Picture 4" descr="A screenshot of a cell phone&#10;&#10;Description automatically generated">
             <a:extLst>
               <a:ext uri="{FF2B5EF4-FFF2-40B4-BE49-F238E27FC236}">
-                <a16:creationId xmlns:a16="http://schemas.microsoft.com/office/drawing/2014/main" id="{C43CB727-DF63-46F6-A21D-600FEE303C8F}"/>
+                <a16:creationId xmlns:a16="http://schemas.microsoft.com/office/drawing/2014/main" id="{FF5F10ED-7755-455E-A7EB-BB2538D6568E}"/>
               </a:ext>
             </a:extLst>
           </p:cNvPr>
           <p:cNvPicPr>
-            <a:picLocks noGrp="1" noChangeAspect="1"/>
+            <a:picLocks noChangeAspect="1"/>
           </p:cNvPicPr>
-          <p:nvPr>
-            <p:ph idx="1"/>
-          </p:nvPr>
+          <p:nvPr/>
         </p:nvPicPr>
         <p:blipFill>
           <a:blip r:embed="rId2">
@@ -6129,17 +6749,56 @@
         </p:blipFill>
         <p:spPr>
           <a:xfrm>
-            <a:off x="4257675" y="190103"/>
-            <a:ext cx="6477794" cy="6477794"/>
-          </a:xfrm>
+            <a:off x="5887087" y="1567543"/>
+            <a:ext cx="5283785" cy="3522523"/>
+          </a:xfrm>
+          <a:prstGeom prst="rect">
+            <a:avLst/>
+          </a:prstGeom>
         </p:spPr>
       </p:pic>
-      <p:sp>
-        <p:nvSpPr>
-          <p:cNvPr id="8" name="TextBox 7">
+      <p:pic>
+        <p:nvPicPr>
+          <p:cNvPr id="8" name="Picture 7" descr="A screenshot of a cell phone&#10;&#10;Description automatically generated">
             <a:extLst>
               <a:ext uri="{FF2B5EF4-FFF2-40B4-BE49-F238E27FC236}">
-                <a16:creationId xmlns:a16="http://schemas.microsoft.com/office/drawing/2014/main" id="{F6A6CC84-A36F-463C-8CCB-166469514C51}"/>
+                <a16:creationId xmlns:a16="http://schemas.microsoft.com/office/drawing/2014/main" id="{2FAD190F-C33D-401F-AE88-A56288273955}"/>
+              </a:ext>
+            </a:extLst>
+          </p:cNvPr>
+          <p:cNvPicPr>
+            <a:picLocks noChangeAspect="1"/>
+          </p:cNvPicPr>
+          <p:nvPr/>
+        </p:nvPicPr>
+        <p:blipFill>
+          <a:blip r:embed="rId3">
+            <a:extLst>
+              <a:ext uri="{28A0092B-C50C-407E-A947-70E740481C1C}">
+                <a14:useLocalDpi xmlns:a14="http://schemas.microsoft.com/office/drawing/2010/main" val="0"/>
+              </a:ext>
+            </a:extLst>
+          </a:blip>
+          <a:stretch>
+            <a:fillRect/>
+          </a:stretch>
+        </p:blipFill>
+        <p:spPr>
+          <a:xfrm>
+            <a:off x="243192" y="1567543"/>
+            <a:ext cx="5185812" cy="3457208"/>
+          </a:xfrm>
+          <a:prstGeom prst="rect">
+            <a:avLst/>
+          </a:prstGeom>
+        </p:spPr>
+      </p:pic>
+      <p:sp>
+        <p:nvSpPr>
+          <p:cNvPr id="9" name="TextBox 8">
+            <a:extLst>
+              <a:ext uri="{FF2B5EF4-FFF2-40B4-BE49-F238E27FC236}">
+                <a16:creationId xmlns:a16="http://schemas.microsoft.com/office/drawing/2014/main" id="{71A25F06-ED60-4576-862B-C13D3F793A4F}"/>
               </a:ext>
             </a:extLst>
           </p:cNvPr>
@@ -6148,8 +6807,8 @@
         </p:nvSpPr>
         <p:spPr>
           <a:xfrm>
-            <a:off x="350196" y="1517514"/>
-            <a:ext cx="3686783" cy="3139321"/>
+            <a:off x="243192" y="5792087"/>
+            <a:ext cx="5885234" cy="523220"/>
           </a:xfrm>
           <a:prstGeom prst="rect">
             <a:avLst/>
@@ -6163,17 +6822,8 @@
           <a:lstStyle/>
           <a:p>
             <a:r>
-              <a:rPr lang="en-US" dirty="0"/>
-              <a:t>There are no overwhelmingly strong correlations observed. The strongest with a 0.6 correlation coefficient is STEM Jobs and Average Income. </a:t>
-            </a:r>
-          </a:p>
-          <a:p>
-            <a:endParaRPr lang="en-US" dirty="0"/>
-          </a:p>
-          <a:p>
-            <a:r>
-              <a:rPr lang="en-US" dirty="0"/>
-              <a:t>Interestingly pill quantity correlates positively with STEM jobs per capita and negatively with Construction jobs per capita.</a:t>
+              <a:rPr lang="en-US" sz="2800" dirty="0"/>
+              <a:t>No material correlations</a:t>
             </a:r>
           </a:p>
         </p:txBody>
@@ -6181,7 +6831,7 @@
     </p:spTree>
     <p:extLst>
       <p:ext uri="{BB962C8B-B14F-4D97-AF65-F5344CB8AC3E}">
-        <p14:creationId xmlns:p14="http://schemas.microsoft.com/office/powerpoint/2010/main" val="2874377814"/>
+        <p14:creationId xmlns:p14="http://schemas.microsoft.com/office/powerpoint/2010/main" val="1225465981"/>
       </p:ext>
     </p:extLst>
   </p:cSld>
